--- a/HOLLYWOOD PHYSICS - GONE IN 60 SECONDS.pptx
+++ b/HOLLYWOOD PHYSICS - GONE IN 60 SECONDS.pptx
@@ -9,8 +9,9 @@
     <p:sldId id="257" r:id="rId3"/>
     <p:sldId id="258" r:id="rId4"/>
     <p:sldId id="259" r:id="rId5"/>
-    <p:sldId id="260" r:id="rId6"/>
-    <p:sldId id="261" r:id="rId7"/>
+    <p:sldId id="262" r:id="rId6"/>
+    <p:sldId id="260" r:id="rId7"/>
+    <p:sldId id="261" r:id="rId8"/>
   </p:sldIdLst>
   <p:sldSz cx="12192000" cy="6858000"/>
   <p:notesSz cx="6858000" cy="9144000"/>
@@ -109,6 +110,11 @@
       </a:defRPr>
     </a:lvl9pPr>
   </p:defaultTextStyle>
+  <p:extLst>
+    <p:ext uri="{EFAFB233-063F-42B5-8137-9DF3F51BA10A}">
+      <p15:sldGuideLst xmlns:p15="http://schemas.microsoft.com/office/powerpoint/2012/main"/>
+    </p:ext>
+  </p:extLst>
 </p:presentation>
 </file>
 
@@ -6146,6 +6152,36 @@
           </a:p>
         </p:txBody>
       </p:sp>
+      <p:pic>
+        <p:nvPicPr>
+          <p:cNvPr id="4" name="Picture 3">
+            <a:extLst>
+              <a:ext uri="{FF2B5EF4-FFF2-40B4-BE49-F238E27FC236}">
+                <a16:creationId xmlns:a16="http://schemas.microsoft.com/office/drawing/2014/main" id="{E138C5C5-5E92-4DBF-B085-5D4AD08E2228}"/>
+              </a:ext>
+            </a:extLst>
+          </p:cNvPr>
+          <p:cNvPicPr>
+            <a:picLocks noChangeAspect="1"/>
+          </p:cNvPicPr>
+          <p:nvPr/>
+        </p:nvPicPr>
+        <p:blipFill>
+          <a:blip r:embed="rId2"/>
+          <a:stretch>
+            <a:fillRect/>
+          </a:stretch>
+        </p:blipFill>
+        <p:spPr>
+          <a:xfrm>
+            <a:off x="3760043" y="2287749"/>
+            <a:ext cx="5943794" cy="4097895"/>
+          </a:xfrm>
+          <a:prstGeom prst="rect">
+            <a:avLst/>
+          </a:prstGeom>
+        </p:spPr>
+      </p:pic>
     </p:spTree>
     <p:extLst>
       <p:ext uri="{BB962C8B-B14F-4D97-AF65-F5344CB8AC3E}">
@@ -6229,6 +6265,36 @@
           </a:p>
         </p:txBody>
       </p:sp>
+      <p:pic>
+        <p:nvPicPr>
+          <p:cNvPr id="4" name="Picture 3">
+            <a:extLst>
+              <a:ext uri="{FF2B5EF4-FFF2-40B4-BE49-F238E27FC236}">
+                <a16:creationId xmlns:a16="http://schemas.microsoft.com/office/drawing/2014/main" id="{FCD8B6CA-FB89-4769-BF9B-A4F052D91DDD}"/>
+              </a:ext>
+            </a:extLst>
+          </p:cNvPr>
+          <p:cNvPicPr>
+            <a:picLocks noChangeAspect="1"/>
+          </p:cNvPicPr>
+          <p:nvPr/>
+        </p:nvPicPr>
+        <p:blipFill>
+          <a:blip r:embed="rId2"/>
+          <a:stretch>
+            <a:fillRect/>
+          </a:stretch>
+        </p:blipFill>
+        <p:spPr>
+          <a:xfrm>
+            <a:off x="3436743" y="1547326"/>
+            <a:ext cx="4629539" cy="4629539"/>
+          </a:xfrm>
+          <a:prstGeom prst="rect">
+            <a:avLst/>
+          </a:prstGeom>
+        </p:spPr>
+      </p:pic>
     </p:spTree>
     <p:extLst>
       <p:ext uri="{BB962C8B-B14F-4D97-AF65-F5344CB8AC3E}">
@@ -6287,31 +6353,2006 @@
           </a:p>
         </p:txBody>
       </p:sp>
-      <p:sp>
-        <p:nvSpPr>
-          <p:cNvPr id="3" name="Content Placeholder 2">
+      <p:graphicFrame>
+        <p:nvGraphicFramePr>
+          <p:cNvPr id="7" name="Content Placeholder 6">
             <a:extLst>
               <a:ext uri="{FF2B5EF4-FFF2-40B4-BE49-F238E27FC236}">
-                <a16:creationId xmlns:a16="http://schemas.microsoft.com/office/drawing/2014/main" id="{E7CBDEE8-B4A5-4024-9C6B-0F887448E3B1}"/>
+                <a16:creationId xmlns:a16="http://schemas.microsoft.com/office/drawing/2014/main" id="{69242FCF-4D94-42A2-A537-D3A3BA7A492B}"/>
               </a:ext>
             </a:extLst>
           </p:cNvPr>
-          <p:cNvSpPr>
-            <a:spLocks noGrp="1"/>
-          </p:cNvSpPr>
+          <p:cNvGraphicFramePr>
+            <a:graphicFrameLocks noGrp="1"/>
+          </p:cNvGraphicFramePr>
           <p:nvPr>
             <p:ph idx="1"/>
-          </p:nvPr>
-        </p:nvSpPr>
-        <p:spPr/>
-        <p:txBody>
-          <a:bodyPr/>
-          <a:lstStyle/>
-          <a:p>
-            <a:endParaRPr lang="es-GT"/>
-          </a:p>
-        </p:txBody>
-      </p:sp>
+            <p:extLst>
+              <p:ext uri="{D42A27DB-BD31-4B8C-83A1-F6EECF244321}">
+                <p14:modId xmlns:p14="http://schemas.microsoft.com/office/powerpoint/2010/main" val="578961129"/>
+              </p:ext>
+            </p:extLst>
+          </p:nvPr>
+        </p:nvGraphicFramePr>
+        <p:xfrm>
+          <a:off x="1451361" y="2195748"/>
+          <a:ext cx="1219200" cy="1117922"/>
+        </p:xfrm>
+        <a:graphic>
+          <a:graphicData uri="http://schemas.openxmlformats.org/drawingml/2006/table">
+            <a:tbl>
+              <a:tblPr>
+                <a:tableStyleId>{5C22544A-7EE6-4342-B048-85BDC9FD1C3A}</a:tableStyleId>
+              </a:tblPr>
+              <a:tblGrid>
+                <a:gridCol w="609600">
+                  <a:extLst>
+                    <a:ext uri="{9D8B030D-6E8A-4147-A177-3AD203B41FA5}">
+                      <a16:colId xmlns:a16="http://schemas.microsoft.com/office/drawing/2014/main" val="3529166159"/>
+                    </a:ext>
+                  </a:extLst>
+                </a:gridCol>
+                <a:gridCol w="609600">
+                  <a:extLst>
+                    <a:ext uri="{9D8B030D-6E8A-4147-A177-3AD203B41FA5}">
+                      <a16:colId xmlns:a16="http://schemas.microsoft.com/office/drawing/2014/main" val="3040743846"/>
+                    </a:ext>
+                  </a:extLst>
+                </a:gridCol>
+              </a:tblGrid>
+              <a:tr h="190500">
+                <a:tc gridSpan="2">
+                  <a:txBody>
+                    <a:bodyPr/>
+                    <a:lstStyle/>
+                    <a:p>
+                      <a:pPr algn="ctr" fontAlgn="b"/>
+                      <a:r>
+                        <a:rPr lang="es-GT" sz="1100" u="none" strike="noStrike">
+                          <a:effectLst/>
+                        </a:rPr>
+                        <a:t>VALORES</a:t>
+                      </a:r>
+                      <a:endParaRPr lang="es-GT" sz="1100" b="0" i="0" u="none" strike="noStrike">
+                        <a:solidFill>
+                          <a:srgbClr val="000000"/>
+                        </a:solidFill>
+                        <a:effectLst/>
+                        <a:latin typeface="Calibri" panose="020F0502020204030204" pitchFamily="34" charset="0"/>
+                      </a:endParaRPr>
+                    </a:p>
+                  </a:txBody>
+                  <a:tcPr marL="9525" marR="9525" marT="9525" marB="0" anchor="b"/>
+                </a:tc>
+                <a:tc hMerge="1">
+                  <a:txBody>
+                    <a:bodyPr/>
+                    <a:lstStyle/>
+                    <a:p>
+                      <a:endParaRPr lang="es-GT"/>
+                    </a:p>
+                  </a:txBody>
+                  <a:tcPr/>
+                </a:tc>
+                <a:extLst>
+                  <a:ext uri="{0D108BD9-81ED-4DB2-BD59-A6C34878D82A}">
+                    <a16:rowId xmlns:a16="http://schemas.microsoft.com/office/drawing/2014/main" val="133486287"/>
+                  </a:ext>
+                </a:extLst>
+              </a:tr>
+              <a:tr h="190500">
+                <a:tc>
+                  <a:txBody>
+                    <a:bodyPr/>
+                    <a:lstStyle/>
+                    <a:p>
+                      <a:pPr algn="ctr" fontAlgn="b"/>
+                      <a:r>
+                        <a:rPr lang="es-GT" sz="1100" u="none" strike="noStrike" dirty="0">
+                          <a:effectLst/>
+                        </a:rPr>
+                        <a:t>velocidad</a:t>
+                      </a:r>
+                      <a:endParaRPr lang="es-GT" sz="1100" b="0" i="0" u="none" strike="noStrike" dirty="0">
+                        <a:solidFill>
+                          <a:srgbClr val="000000"/>
+                        </a:solidFill>
+                        <a:effectLst/>
+                        <a:latin typeface="Calibri" panose="020F0502020204030204" pitchFamily="34" charset="0"/>
+                      </a:endParaRPr>
+                    </a:p>
+                  </a:txBody>
+                  <a:tcPr marL="9525" marR="9525" marT="9525" marB="0" anchor="b"/>
+                </a:tc>
+                <a:tc>
+                  <a:txBody>
+                    <a:bodyPr/>
+                    <a:lstStyle/>
+                    <a:p>
+                      <a:pPr algn="ctr" fontAlgn="b"/>
+                      <a:r>
+                        <a:rPr lang="es-GT" sz="1100" u="none" strike="noStrike">
+                          <a:effectLst/>
+                        </a:rPr>
+                        <a:t>44.7 m/s</a:t>
+                      </a:r>
+                      <a:endParaRPr lang="es-GT" sz="1100" b="0" i="0" u="none" strike="noStrike">
+                        <a:solidFill>
+                          <a:srgbClr val="000000"/>
+                        </a:solidFill>
+                        <a:effectLst/>
+                        <a:latin typeface="Calibri" panose="020F0502020204030204" pitchFamily="34" charset="0"/>
+                      </a:endParaRPr>
+                    </a:p>
+                  </a:txBody>
+                  <a:tcPr marL="9525" marR="9525" marT="9525" marB="0" anchor="b"/>
+                </a:tc>
+                <a:extLst>
+                  <a:ext uri="{0D108BD9-81ED-4DB2-BD59-A6C34878D82A}">
+                    <a16:rowId xmlns:a16="http://schemas.microsoft.com/office/drawing/2014/main" val="2431263592"/>
+                  </a:ext>
+                </a:extLst>
+              </a:tr>
+              <a:tr h="355922">
+                <a:tc>
+                  <a:txBody>
+                    <a:bodyPr/>
+                    <a:lstStyle/>
+                    <a:p>
+                      <a:pPr algn="ctr" fontAlgn="b"/>
+                      <a:r>
+                        <a:rPr lang="es-GT" sz="1100" u="none" strike="noStrike">
+                          <a:effectLst/>
+                        </a:rPr>
+                        <a:t>tiempo en el aire</a:t>
+                      </a:r>
+                      <a:endParaRPr lang="es-GT" sz="1100" b="0" i="0" u="none" strike="noStrike">
+                        <a:solidFill>
+                          <a:srgbClr val="000000"/>
+                        </a:solidFill>
+                        <a:effectLst/>
+                        <a:latin typeface="Calibri" panose="020F0502020204030204" pitchFamily="34" charset="0"/>
+                      </a:endParaRPr>
+                    </a:p>
+                  </a:txBody>
+                  <a:tcPr marL="9525" marR="9525" marT="9525" marB="0" anchor="b"/>
+                </a:tc>
+                <a:tc>
+                  <a:txBody>
+                    <a:bodyPr/>
+                    <a:lstStyle/>
+                    <a:p>
+                      <a:pPr algn="ctr" fontAlgn="b"/>
+                      <a:r>
+                        <a:rPr lang="es-GT" sz="1100" u="none" strike="noStrike" dirty="0">
+                          <a:effectLst/>
+                        </a:rPr>
+                        <a:t>7 s</a:t>
+                      </a:r>
+                      <a:endParaRPr lang="es-GT" sz="1100" b="0" i="0" u="none" strike="noStrike" dirty="0">
+                        <a:solidFill>
+                          <a:srgbClr val="000000"/>
+                        </a:solidFill>
+                        <a:effectLst/>
+                        <a:latin typeface="Calibri" panose="020F0502020204030204" pitchFamily="34" charset="0"/>
+                      </a:endParaRPr>
+                    </a:p>
+                  </a:txBody>
+                  <a:tcPr marL="9525" marR="9525" marT="9525" marB="0" anchor="b"/>
+                </a:tc>
+                <a:extLst>
+                  <a:ext uri="{0D108BD9-81ED-4DB2-BD59-A6C34878D82A}">
+                    <a16:rowId xmlns:a16="http://schemas.microsoft.com/office/drawing/2014/main" val="469344093"/>
+                  </a:ext>
+                </a:extLst>
+              </a:tr>
+              <a:tr h="381000">
+                <a:tc>
+                  <a:txBody>
+                    <a:bodyPr/>
+                    <a:lstStyle/>
+                    <a:p>
+                      <a:pPr algn="ctr" fontAlgn="b"/>
+                      <a:r>
+                        <a:rPr lang="es-GT" sz="1100" u="none" strike="noStrike">
+                          <a:effectLst/>
+                        </a:rPr>
+                        <a:t>largo del puente</a:t>
+                      </a:r>
+                      <a:endParaRPr lang="es-GT" sz="1100" b="0" i="0" u="none" strike="noStrike">
+                        <a:solidFill>
+                          <a:srgbClr val="000000"/>
+                        </a:solidFill>
+                        <a:effectLst/>
+                        <a:latin typeface="Calibri" panose="020F0502020204030204" pitchFamily="34" charset="0"/>
+                      </a:endParaRPr>
+                    </a:p>
+                  </a:txBody>
+                  <a:tcPr marL="9525" marR="9525" marT="9525" marB="0" anchor="b"/>
+                </a:tc>
+                <a:tc>
+                  <a:txBody>
+                    <a:bodyPr/>
+                    <a:lstStyle/>
+                    <a:p>
+                      <a:pPr algn="ctr" fontAlgn="b"/>
+                      <a:r>
+                        <a:rPr lang="es-GT" sz="1100" u="none" strike="noStrike" dirty="0">
+                          <a:effectLst/>
+                        </a:rPr>
+                        <a:t>460 m</a:t>
+                      </a:r>
+                      <a:endParaRPr lang="es-GT" sz="1100" b="0" i="0" u="none" strike="noStrike" dirty="0">
+                        <a:solidFill>
+                          <a:srgbClr val="000000"/>
+                        </a:solidFill>
+                        <a:effectLst/>
+                        <a:latin typeface="Calibri" panose="020F0502020204030204" pitchFamily="34" charset="0"/>
+                      </a:endParaRPr>
+                    </a:p>
+                  </a:txBody>
+                  <a:tcPr marL="9525" marR="9525" marT="9525" marB="0" anchor="b"/>
+                </a:tc>
+                <a:extLst>
+                  <a:ext uri="{0D108BD9-81ED-4DB2-BD59-A6C34878D82A}">
+                    <a16:rowId xmlns:a16="http://schemas.microsoft.com/office/drawing/2014/main" val="2857556510"/>
+                  </a:ext>
+                </a:extLst>
+              </a:tr>
+            </a:tbl>
+          </a:graphicData>
+        </a:graphic>
+      </p:graphicFrame>
+      <p:graphicFrame>
+        <p:nvGraphicFramePr>
+          <p:cNvPr id="8" name="Table 7">
+            <a:extLst>
+              <a:ext uri="{FF2B5EF4-FFF2-40B4-BE49-F238E27FC236}">
+                <a16:creationId xmlns:a16="http://schemas.microsoft.com/office/drawing/2014/main" id="{894CE639-19A9-4BA2-99B9-ABFA761D7DF5}"/>
+              </a:ext>
+            </a:extLst>
+          </p:cNvPr>
+          <p:cNvGraphicFramePr>
+            <a:graphicFrameLocks noGrp="1"/>
+          </p:cNvGraphicFramePr>
+          <p:nvPr>
+            <p:extLst>
+              <p:ext uri="{D42A27DB-BD31-4B8C-83A1-F6EECF244321}">
+                <p14:modId xmlns:p14="http://schemas.microsoft.com/office/powerpoint/2010/main" val="99937194"/>
+              </p:ext>
+            </p:extLst>
+          </p:nvPr>
+        </p:nvGraphicFramePr>
+        <p:xfrm>
+          <a:off x="3072714" y="2195748"/>
+          <a:ext cx="1219200" cy="613355"/>
+        </p:xfrm>
+        <a:graphic>
+          <a:graphicData uri="http://schemas.openxmlformats.org/drawingml/2006/table">
+            <a:tbl>
+              <a:tblPr>
+                <a:tableStyleId>{5C22544A-7EE6-4342-B048-85BDC9FD1C3A}</a:tableStyleId>
+              </a:tblPr>
+              <a:tblGrid>
+                <a:gridCol w="609600">
+                  <a:extLst>
+                    <a:ext uri="{9D8B030D-6E8A-4147-A177-3AD203B41FA5}">
+                      <a16:colId xmlns:a16="http://schemas.microsoft.com/office/drawing/2014/main" val="20300363"/>
+                    </a:ext>
+                  </a:extLst>
+                </a:gridCol>
+                <a:gridCol w="609600">
+                  <a:extLst>
+                    <a:ext uri="{9D8B030D-6E8A-4147-A177-3AD203B41FA5}">
+                      <a16:colId xmlns:a16="http://schemas.microsoft.com/office/drawing/2014/main" val="787535192"/>
+                    </a:ext>
+                  </a:extLst>
+                </a:gridCol>
+              </a:tblGrid>
+              <a:tr h="190500">
+                <a:tc gridSpan="2">
+                  <a:txBody>
+                    <a:bodyPr/>
+                    <a:lstStyle/>
+                    <a:p>
+                      <a:pPr algn="ctr" fontAlgn="b"/>
+                      <a:r>
+                        <a:rPr lang="es-GT" sz="1100" u="none" strike="noStrike" dirty="0">
+                          <a:effectLst/>
+                        </a:rPr>
+                        <a:t>ESTIMACIONES</a:t>
+                      </a:r>
+                      <a:endParaRPr lang="es-GT" sz="1100" b="0" i="0" u="none" strike="noStrike" dirty="0">
+                        <a:solidFill>
+                          <a:srgbClr val="000000"/>
+                        </a:solidFill>
+                        <a:effectLst/>
+                        <a:latin typeface="Calibri" panose="020F0502020204030204" pitchFamily="34" charset="0"/>
+                      </a:endParaRPr>
+                    </a:p>
+                  </a:txBody>
+                  <a:tcPr marL="9525" marR="9525" marT="9525" marB="0" anchor="b"/>
+                </a:tc>
+                <a:tc hMerge="1">
+                  <a:txBody>
+                    <a:bodyPr/>
+                    <a:lstStyle/>
+                    <a:p>
+                      <a:endParaRPr lang="es-GT"/>
+                    </a:p>
+                  </a:txBody>
+                  <a:tcPr/>
+                </a:tc>
+                <a:extLst>
+                  <a:ext uri="{0D108BD9-81ED-4DB2-BD59-A6C34878D82A}">
+                    <a16:rowId xmlns:a16="http://schemas.microsoft.com/office/drawing/2014/main" val="1156731678"/>
+                  </a:ext>
+                </a:extLst>
+              </a:tr>
+              <a:tr h="190500">
+                <a:tc>
+                  <a:txBody>
+                    <a:bodyPr/>
+                    <a:lstStyle/>
+                    <a:p>
+                      <a:pPr algn="ctr" fontAlgn="b"/>
+                      <a:r>
+                        <a:rPr lang="es-GT" sz="1100" u="none" strike="noStrike">
+                          <a:effectLst/>
+                        </a:rPr>
+                        <a:t>largo </a:t>
+                      </a:r>
+                      <a:endParaRPr lang="es-GT" sz="1100" b="0" i="0" u="none" strike="noStrike">
+                        <a:solidFill>
+                          <a:srgbClr val="000000"/>
+                        </a:solidFill>
+                        <a:effectLst/>
+                        <a:latin typeface="Calibri" panose="020F0502020204030204" pitchFamily="34" charset="0"/>
+                      </a:endParaRPr>
+                    </a:p>
+                  </a:txBody>
+                  <a:tcPr marL="9525" marR="9525" marT="9525" marB="0" anchor="b"/>
+                </a:tc>
+                <a:tc>
+                  <a:txBody>
+                    <a:bodyPr/>
+                    <a:lstStyle/>
+                    <a:p>
+                      <a:pPr algn="ctr" fontAlgn="b"/>
+                      <a:r>
+                        <a:rPr lang="es-GT" sz="1100" u="none" strike="noStrike">
+                          <a:effectLst/>
+                        </a:rPr>
+                        <a:t>4.7 m</a:t>
+                      </a:r>
+                      <a:endParaRPr lang="es-GT" sz="1100" b="0" i="0" u="none" strike="noStrike">
+                        <a:solidFill>
+                          <a:srgbClr val="000000"/>
+                        </a:solidFill>
+                        <a:effectLst/>
+                        <a:latin typeface="Calibri" panose="020F0502020204030204" pitchFamily="34" charset="0"/>
+                      </a:endParaRPr>
+                    </a:p>
+                  </a:txBody>
+                  <a:tcPr marL="9525" marR="9525" marT="9525" marB="0" anchor="b"/>
+                </a:tc>
+                <a:extLst>
+                  <a:ext uri="{0D108BD9-81ED-4DB2-BD59-A6C34878D82A}">
+                    <a16:rowId xmlns:a16="http://schemas.microsoft.com/office/drawing/2014/main" val="3239614674"/>
+                  </a:ext>
+                </a:extLst>
+              </a:tr>
+              <a:tr h="232355">
+                <a:tc>
+                  <a:txBody>
+                    <a:bodyPr/>
+                    <a:lstStyle/>
+                    <a:p>
+                      <a:pPr algn="ctr" fontAlgn="b"/>
+                      <a:r>
+                        <a:rPr lang="es-GT" sz="1100" u="none" strike="noStrike" dirty="0">
+                          <a:effectLst/>
+                        </a:rPr>
+                        <a:t>altura</a:t>
+                      </a:r>
+                      <a:endParaRPr lang="es-GT" sz="1100" b="0" i="0" u="none" strike="noStrike" dirty="0">
+                        <a:solidFill>
+                          <a:srgbClr val="000000"/>
+                        </a:solidFill>
+                        <a:effectLst/>
+                        <a:latin typeface="Calibri" panose="020F0502020204030204" pitchFamily="34" charset="0"/>
+                      </a:endParaRPr>
+                    </a:p>
+                  </a:txBody>
+                  <a:tcPr marL="9525" marR="9525" marT="9525" marB="0" anchor="b"/>
+                </a:tc>
+                <a:tc>
+                  <a:txBody>
+                    <a:bodyPr/>
+                    <a:lstStyle/>
+                    <a:p>
+                      <a:pPr algn="ctr" fontAlgn="b"/>
+                      <a:r>
+                        <a:rPr lang="es-GT" sz="1100" u="none" strike="noStrike" dirty="0">
+                          <a:effectLst/>
+                        </a:rPr>
+                        <a:t>2.1 m</a:t>
+                      </a:r>
+                      <a:endParaRPr lang="es-GT" sz="1100" b="0" i="0" u="none" strike="noStrike" dirty="0">
+                        <a:solidFill>
+                          <a:srgbClr val="000000"/>
+                        </a:solidFill>
+                        <a:effectLst/>
+                        <a:latin typeface="Calibri" panose="020F0502020204030204" pitchFamily="34" charset="0"/>
+                      </a:endParaRPr>
+                    </a:p>
+                  </a:txBody>
+                  <a:tcPr marL="9525" marR="9525" marT="9525" marB="0" anchor="b"/>
+                </a:tc>
+                <a:extLst>
+                  <a:ext uri="{0D108BD9-81ED-4DB2-BD59-A6C34878D82A}">
+                    <a16:rowId xmlns:a16="http://schemas.microsoft.com/office/drawing/2014/main" val="3916312665"/>
+                  </a:ext>
+                </a:extLst>
+              </a:tr>
+            </a:tbl>
+          </a:graphicData>
+        </a:graphic>
+      </p:graphicFrame>
+      <p:graphicFrame>
+        <p:nvGraphicFramePr>
+          <p:cNvPr id="9" name="Table 8">
+            <a:extLst>
+              <a:ext uri="{FF2B5EF4-FFF2-40B4-BE49-F238E27FC236}">
+                <a16:creationId xmlns:a16="http://schemas.microsoft.com/office/drawing/2014/main" id="{4B93A71B-9663-475E-8BF0-2237FDE80B3D}"/>
+              </a:ext>
+            </a:extLst>
+          </p:cNvPr>
+          <p:cNvGraphicFramePr>
+            <a:graphicFrameLocks noGrp="1"/>
+          </p:cNvGraphicFramePr>
+          <p:nvPr>
+            <p:extLst>
+              <p:ext uri="{D42A27DB-BD31-4B8C-83A1-F6EECF244321}">
+                <p14:modId xmlns:p14="http://schemas.microsoft.com/office/powerpoint/2010/main" val="628775889"/>
+              </p:ext>
+            </p:extLst>
+          </p:nvPr>
+        </p:nvGraphicFramePr>
+        <p:xfrm>
+          <a:off x="4694067" y="2195748"/>
+          <a:ext cx="1219200" cy="654544"/>
+        </p:xfrm>
+        <a:graphic>
+          <a:graphicData uri="http://schemas.openxmlformats.org/drawingml/2006/table">
+            <a:tbl>
+              <a:tblPr>
+                <a:tableStyleId>{5C22544A-7EE6-4342-B048-85BDC9FD1C3A}</a:tableStyleId>
+              </a:tblPr>
+              <a:tblGrid>
+                <a:gridCol w="609600">
+                  <a:extLst>
+                    <a:ext uri="{9D8B030D-6E8A-4147-A177-3AD203B41FA5}">
+                      <a16:colId xmlns:a16="http://schemas.microsoft.com/office/drawing/2014/main" val="3824145695"/>
+                    </a:ext>
+                  </a:extLst>
+                </a:gridCol>
+                <a:gridCol w="609600">
+                  <a:extLst>
+                    <a:ext uri="{9D8B030D-6E8A-4147-A177-3AD203B41FA5}">
+                      <a16:colId xmlns:a16="http://schemas.microsoft.com/office/drawing/2014/main" val="2579292717"/>
+                    </a:ext>
+                  </a:extLst>
+                </a:gridCol>
+              </a:tblGrid>
+              <a:tr h="190500">
+                <a:tc gridSpan="2">
+                  <a:txBody>
+                    <a:bodyPr/>
+                    <a:lstStyle/>
+                    <a:p>
+                      <a:pPr algn="ctr" fontAlgn="ctr"/>
+                      <a:r>
+                        <a:rPr lang="es-GT" sz="1100" u="none" strike="noStrike">
+                          <a:effectLst/>
+                        </a:rPr>
+                        <a:t>ANGULO</a:t>
+                      </a:r>
+                      <a:endParaRPr lang="es-GT" sz="1100" b="0" i="0" u="none" strike="noStrike">
+                        <a:solidFill>
+                          <a:srgbClr val="000000"/>
+                        </a:solidFill>
+                        <a:effectLst/>
+                        <a:latin typeface="Calibri" panose="020F0502020204030204" pitchFamily="34" charset="0"/>
+                      </a:endParaRPr>
+                    </a:p>
+                  </a:txBody>
+                  <a:tcPr marL="9525" marR="9525" marT="9525" marB="0" anchor="ctr"/>
+                </a:tc>
+                <a:tc hMerge="1">
+                  <a:txBody>
+                    <a:bodyPr/>
+                    <a:lstStyle/>
+                    <a:p>
+                      <a:endParaRPr lang="es-GT"/>
+                    </a:p>
+                  </a:txBody>
+                  <a:tcPr/>
+                </a:tc>
+                <a:extLst>
+                  <a:ext uri="{0D108BD9-81ED-4DB2-BD59-A6C34878D82A}">
+                    <a16:rowId xmlns:a16="http://schemas.microsoft.com/office/drawing/2014/main" val="2687104686"/>
+                  </a:ext>
+                </a:extLst>
+              </a:tr>
+              <a:tr h="190500">
+                <a:tc>
+                  <a:txBody>
+                    <a:bodyPr/>
+                    <a:lstStyle/>
+                    <a:p>
+                      <a:pPr algn="ctr" fontAlgn="ctr"/>
+                      <a:r>
+                        <a:rPr lang="es-GT" sz="1100" u="none" strike="noStrike">
+                          <a:effectLst/>
+                        </a:rPr>
+                        <a:t>SIN X </a:t>
+                      </a:r>
+                      <a:endParaRPr lang="es-GT" sz="1100" b="0" i="0" u="none" strike="noStrike">
+                        <a:solidFill>
+                          <a:srgbClr val="000000"/>
+                        </a:solidFill>
+                        <a:effectLst/>
+                        <a:latin typeface="Calibri" panose="020F0502020204030204" pitchFamily="34" charset="0"/>
+                      </a:endParaRPr>
+                    </a:p>
+                  </a:txBody>
+                  <a:tcPr marL="9525" marR="9525" marT="9525" marB="0" anchor="ctr"/>
+                </a:tc>
+                <a:tc>
+                  <a:txBody>
+                    <a:bodyPr/>
+                    <a:lstStyle/>
+                    <a:p>
+                      <a:pPr algn="ctr" fontAlgn="ctr"/>
+                      <a:r>
+                        <a:rPr lang="es-GT" sz="1100" u="none" strike="noStrike">
+                          <a:effectLst/>
+                        </a:rPr>
+                        <a:t>2.1/4.7</a:t>
+                      </a:r>
+                      <a:endParaRPr lang="es-GT" sz="1100" b="0" i="0" u="none" strike="noStrike">
+                        <a:solidFill>
+                          <a:srgbClr val="000000"/>
+                        </a:solidFill>
+                        <a:effectLst/>
+                        <a:latin typeface="Calibri" panose="020F0502020204030204" pitchFamily="34" charset="0"/>
+                      </a:endParaRPr>
+                    </a:p>
+                  </a:txBody>
+                  <a:tcPr marL="9525" marR="9525" marT="9525" marB="0" anchor="ctr"/>
+                </a:tc>
+                <a:extLst>
+                  <a:ext uri="{0D108BD9-81ED-4DB2-BD59-A6C34878D82A}">
+                    <a16:rowId xmlns:a16="http://schemas.microsoft.com/office/drawing/2014/main" val="3012754676"/>
+                  </a:ext>
+                </a:extLst>
+              </a:tr>
+              <a:tr h="273544">
+                <a:tc>
+                  <a:txBody>
+                    <a:bodyPr/>
+                    <a:lstStyle/>
+                    <a:p>
+                      <a:pPr algn="ctr" fontAlgn="ctr"/>
+                      <a:r>
+                        <a:rPr lang="es-GT" sz="1100" u="none" strike="noStrike">
+                          <a:effectLst/>
+                        </a:rPr>
+                        <a:t>X</a:t>
+                      </a:r>
+                      <a:endParaRPr lang="es-GT" sz="1100" b="0" i="0" u="none" strike="noStrike">
+                        <a:solidFill>
+                          <a:srgbClr val="000000"/>
+                        </a:solidFill>
+                        <a:effectLst/>
+                        <a:latin typeface="Calibri" panose="020F0502020204030204" pitchFamily="34" charset="0"/>
+                      </a:endParaRPr>
+                    </a:p>
+                  </a:txBody>
+                  <a:tcPr marL="9525" marR="9525" marT="9525" marB="0" anchor="ctr"/>
+                </a:tc>
+                <a:tc>
+                  <a:txBody>
+                    <a:bodyPr/>
+                    <a:lstStyle/>
+                    <a:p>
+                      <a:pPr algn="ctr" fontAlgn="ctr"/>
+                      <a:r>
+                        <a:rPr lang="es-GT" sz="1100" u="none" strike="noStrike" dirty="0">
+                          <a:effectLst/>
+                        </a:rPr>
+                        <a:t>26.5</a:t>
+                      </a:r>
+                      <a:endParaRPr lang="es-GT" sz="1100" b="0" i="0" u="none" strike="noStrike" dirty="0">
+                        <a:solidFill>
+                          <a:srgbClr val="000000"/>
+                        </a:solidFill>
+                        <a:effectLst/>
+                        <a:latin typeface="Calibri" panose="020F0502020204030204" pitchFamily="34" charset="0"/>
+                      </a:endParaRPr>
+                    </a:p>
+                  </a:txBody>
+                  <a:tcPr marL="9525" marR="9525" marT="9525" marB="0" anchor="ctr"/>
+                </a:tc>
+                <a:extLst>
+                  <a:ext uri="{0D108BD9-81ED-4DB2-BD59-A6C34878D82A}">
+                    <a16:rowId xmlns:a16="http://schemas.microsoft.com/office/drawing/2014/main" val="3787984668"/>
+                  </a:ext>
+                </a:extLst>
+              </a:tr>
+            </a:tbl>
+          </a:graphicData>
+        </a:graphic>
+      </p:graphicFrame>
+      <mc:AlternateContent xmlns:mc="http://schemas.openxmlformats.org/markup-compatibility/2006">
+        <mc:Choice xmlns:a14="http://schemas.microsoft.com/office/drawing/2010/main" Requires="a14">
+          <p:sp>
+            <p:nvSpPr>
+              <p:cNvPr id="10" name="TextBox 1">
+                <a:extLst>
+                  <a:ext uri="{FF2B5EF4-FFF2-40B4-BE49-F238E27FC236}">
+                    <a16:creationId xmlns:a16="http://schemas.microsoft.com/office/drawing/2014/main" id="{B0D1DACF-42C5-48D3-8CF4-2B2672822E51}"/>
+                  </a:ext>
+                </a:extLst>
+              </p:cNvPr>
+              <p:cNvSpPr txBox="1"/>
+              <p:nvPr/>
+            </p:nvSpPr>
+            <p:spPr>
+              <a:xfrm>
+                <a:off x="1316321" y="4200254"/>
+                <a:ext cx="1700658" cy="253339"/>
+              </a:xfrm>
+              <a:prstGeom prst="rect">
+                <a:avLst/>
+              </a:prstGeom>
+              <a:noFill/>
+            </p:spPr>
+            <p:style>
+              <a:lnRef idx="0">
+                <a:scrgbClr r="0" g="0" b="0"/>
+              </a:lnRef>
+              <a:fillRef idx="0">
+                <a:scrgbClr r="0" g="0" b="0"/>
+              </a:fillRef>
+              <a:effectRef idx="0">
+                <a:scrgbClr r="0" g="0" b="0"/>
+              </a:effectRef>
+              <a:fontRef idx="minor">
+                <a:schemeClr val="tx1"/>
+              </a:fontRef>
+            </p:style>
+            <p:txBody>
+              <a:bodyPr wrap="square" lIns="0" tIns="0" rIns="0" bIns="0" rtlCol="0" anchor="t">
+                <a:spAutoFit/>
+              </a:bodyPr>
+              <a:lstStyle>
+                <a:lvl1pPr marL="0" indent="0">
+                  <a:defRPr sz="1100">
+                    <a:solidFill>
+                      <a:schemeClr val="tx1"/>
+                    </a:solidFill>
+                    <a:latin typeface="+mn-lt"/>
+                    <a:ea typeface="+mn-ea"/>
+                    <a:cs typeface="+mn-cs"/>
+                  </a:defRPr>
+                </a:lvl1pPr>
+                <a:lvl2pPr marL="457200" indent="0">
+                  <a:defRPr sz="1100">
+                    <a:solidFill>
+                      <a:schemeClr val="tx1"/>
+                    </a:solidFill>
+                    <a:latin typeface="+mn-lt"/>
+                    <a:ea typeface="+mn-ea"/>
+                    <a:cs typeface="+mn-cs"/>
+                  </a:defRPr>
+                </a:lvl2pPr>
+                <a:lvl3pPr marL="914400" indent="0">
+                  <a:defRPr sz="1100">
+                    <a:solidFill>
+                      <a:schemeClr val="tx1"/>
+                    </a:solidFill>
+                    <a:latin typeface="+mn-lt"/>
+                    <a:ea typeface="+mn-ea"/>
+                    <a:cs typeface="+mn-cs"/>
+                  </a:defRPr>
+                </a:lvl3pPr>
+                <a:lvl4pPr marL="1371600" indent="0">
+                  <a:defRPr sz="1100">
+                    <a:solidFill>
+                      <a:schemeClr val="tx1"/>
+                    </a:solidFill>
+                    <a:latin typeface="+mn-lt"/>
+                    <a:ea typeface="+mn-ea"/>
+                    <a:cs typeface="+mn-cs"/>
+                  </a:defRPr>
+                </a:lvl4pPr>
+                <a:lvl5pPr marL="1828800" indent="0">
+                  <a:defRPr sz="1100">
+                    <a:solidFill>
+                      <a:schemeClr val="tx1"/>
+                    </a:solidFill>
+                    <a:latin typeface="+mn-lt"/>
+                    <a:ea typeface="+mn-ea"/>
+                    <a:cs typeface="+mn-cs"/>
+                  </a:defRPr>
+                </a:lvl5pPr>
+                <a:lvl6pPr marL="2286000" indent="0">
+                  <a:defRPr sz="1100">
+                    <a:solidFill>
+                      <a:schemeClr val="tx1"/>
+                    </a:solidFill>
+                    <a:latin typeface="+mn-lt"/>
+                    <a:ea typeface="+mn-ea"/>
+                    <a:cs typeface="+mn-cs"/>
+                  </a:defRPr>
+                </a:lvl6pPr>
+                <a:lvl7pPr marL="2743200" indent="0">
+                  <a:defRPr sz="1100">
+                    <a:solidFill>
+                      <a:schemeClr val="tx1"/>
+                    </a:solidFill>
+                    <a:latin typeface="+mn-lt"/>
+                    <a:ea typeface="+mn-ea"/>
+                    <a:cs typeface="+mn-cs"/>
+                  </a:defRPr>
+                </a:lvl7pPr>
+                <a:lvl8pPr marL="3200400" indent="0">
+                  <a:defRPr sz="1100">
+                    <a:solidFill>
+                      <a:schemeClr val="tx1"/>
+                    </a:solidFill>
+                    <a:latin typeface="+mn-lt"/>
+                    <a:ea typeface="+mn-ea"/>
+                    <a:cs typeface="+mn-cs"/>
+                  </a:defRPr>
+                </a:lvl8pPr>
+                <a:lvl9pPr marL="3657600" indent="0">
+                  <a:defRPr sz="1100">
+                    <a:solidFill>
+                      <a:schemeClr val="tx1"/>
+                    </a:solidFill>
+                    <a:latin typeface="+mn-lt"/>
+                    <a:ea typeface="+mn-ea"/>
+                    <a:cs typeface="+mn-cs"/>
+                  </a:defRPr>
+                </a:lvl9pPr>
+              </a:lstStyle>
+              <a:p>
+                <a:r>
+                  <a:rPr lang="es-GT" sz="1100" i="0" dirty="0">
+                    <a:latin typeface="+mn-lt"/>
+                  </a:rPr>
+                  <a:t>Delta x</a:t>
+                </a:r>
+                <a:r>
+                  <a:rPr lang="es-GT" sz="1100" i="0" baseline="0" dirty="0">
+                    <a:latin typeface="+mn-lt"/>
+                  </a:rPr>
+                  <a:t> </a:t>
+                </a:r>
+                <a14:m>
+                  <m:oMath xmlns:m="http://schemas.openxmlformats.org/officeDocument/2006/math">
+                    <m:r>
+                      <a:rPr lang="es-GT" sz="1100" i="1">
+                        <a:latin typeface="Cambria Math" panose="02040503050406030204" pitchFamily="18" charset="0"/>
+                      </a:rPr>
+                      <m:t>=</m:t>
+                    </m:r>
+                    <m:r>
+                      <a:rPr lang="es-GT" sz="1100" b="0" i="1">
+                        <a:latin typeface="Cambria Math" panose="02040503050406030204" pitchFamily="18" charset="0"/>
+                      </a:rPr>
+                      <m:t>𝑉𝑜</m:t>
+                    </m:r>
+                    <m:r>
+                      <a:rPr lang="es-GT" sz="1100" b="0" i="1">
+                        <a:latin typeface="Cambria Math" panose="02040503050406030204" pitchFamily="18" charset="0"/>
+                      </a:rPr>
+                      <m:t>∗</m:t>
+                    </m:r>
+                    <m:r>
+                      <a:rPr lang="es-GT" sz="1100" b="0" i="1">
+                        <a:latin typeface="Cambria Math" panose="02040503050406030204" pitchFamily="18" charset="0"/>
+                      </a:rPr>
+                      <m:t>𝑡</m:t>
+                    </m:r>
+                    <m:r>
+                      <a:rPr lang="es-GT" sz="1100" b="0" i="1">
+                        <a:latin typeface="Cambria Math" panose="02040503050406030204" pitchFamily="18" charset="0"/>
+                      </a:rPr>
+                      <m:t>+</m:t>
+                    </m:r>
+                    <m:d>
+                      <m:dPr>
+                        <m:ctrlPr>
+                          <a:rPr lang="en-US" sz="1100" b="0" i="1">
+                            <a:latin typeface="Cambria Math" panose="02040503050406030204" pitchFamily="18" charset="0"/>
+                          </a:rPr>
+                        </m:ctrlPr>
+                      </m:dPr>
+                      <m:e>
+                        <m:f>
+                          <m:fPr>
+                            <m:ctrlPr>
+                              <a:rPr lang="en-US" sz="1100" b="0" i="1">
+                                <a:latin typeface="Cambria Math" panose="02040503050406030204" pitchFamily="18" charset="0"/>
+                              </a:rPr>
+                            </m:ctrlPr>
+                          </m:fPr>
+                          <m:num>
+                            <m:r>
+                              <a:rPr lang="en-US" sz="1100" b="0" i="1">
+                                <a:latin typeface="Cambria Math" panose="02040503050406030204" pitchFamily="18" charset="0"/>
+                              </a:rPr>
+                              <m:t>1</m:t>
+                            </m:r>
+                          </m:num>
+                          <m:den>
+                            <m:r>
+                              <a:rPr lang="en-US" sz="1100" b="0" i="1">
+                                <a:latin typeface="Cambria Math" panose="02040503050406030204" pitchFamily="18" charset="0"/>
+                              </a:rPr>
+                              <m:t>2</m:t>
+                            </m:r>
+                          </m:den>
+                        </m:f>
+                      </m:e>
+                    </m:d>
+                    <m:r>
+                      <a:rPr lang="en-US" sz="1100" b="0" i="1">
+                        <a:latin typeface="Cambria Math" panose="02040503050406030204" pitchFamily="18" charset="0"/>
+                      </a:rPr>
+                      <m:t>𝐴𝑥𝑡</m:t>
+                    </m:r>
+                    <m:r>
+                      <a:rPr lang="en-US" sz="1100" b="0" i="1">
+                        <a:latin typeface="Cambria Math" panose="02040503050406030204" pitchFamily="18" charset="0"/>
+                      </a:rPr>
+                      <m:t>^2</m:t>
+                    </m:r>
+                  </m:oMath>
+                </a14:m>
+                <a:endParaRPr lang="es-GT" sz="1100" dirty="0"/>
+              </a:p>
+            </p:txBody>
+          </p:sp>
+        </mc:Choice>
+        <mc:Fallback>
+          <p:sp>
+            <p:nvSpPr>
+              <p:cNvPr id="10" name="TextBox 1">
+                <a:extLst>
+                  <a:ext uri="{FF2B5EF4-FFF2-40B4-BE49-F238E27FC236}">
+                    <a16:creationId xmlns:a16="http://schemas.microsoft.com/office/drawing/2014/main" id="{B0D1DACF-42C5-48D3-8CF4-2B2672822E51}"/>
+                  </a:ext>
+                </a:extLst>
+              </p:cNvPr>
+              <p:cNvSpPr txBox="1">
+                <a:spLocks noRot="1" noChangeAspect="1" noMove="1" noResize="1" noEditPoints="1" noAdjustHandles="1" noChangeArrowheads="1" noChangeShapeType="1" noTextEdit="1"/>
+              </p:cNvSpPr>
+              <p:nvPr/>
+            </p:nvSpPr>
+            <p:spPr>
+              <a:xfrm>
+                <a:off x="1316321" y="4200254"/>
+                <a:ext cx="1700658" cy="253339"/>
+              </a:xfrm>
+              <a:prstGeom prst="rect">
+                <a:avLst/>
+              </a:prstGeom>
+              <a:blipFill>
+                <a:blip r:embed="rId2"/>
+                <a:stretch>
+                  <a:fillRect l="-5376" r="-2151" b="-19048"/>
+                </a:stretch>
+              </a:blipFill>
+            </p:spPr>
+            <p:txBody>
+              <a:bodyPr/>
+              <a:lstStyle/>
+              <a:p>
+                <a:r>
+                  <a:rPr lang="es-GT">
+                    <a:noFill/>
+                  </a:rPr>
+                  <a:t> </a:t>
+                </a:r>
+              </a:p>
+            </p:txBody>
+          </p:sp>
+        </mc:Fallback>
+      </mc:AlternateContent>
+      <mc:AlternateContent xmlns:mc="http://schemas.openxmlformats.org/markup-compatibility/2006">
+        <mc:Choice xmlns:a14="http://schemas.microsoft.com/office/drawing/2010/main" Requires="a14">
+          <p:sp>
+            <p:nvSpPr>
+              <p:cNvPr id="12" name="TextBox 2">
+                <a:extLst>
+                  <a:ext uri="{FF2B5EF4-FFF2-40B4-BE49-F238E27FC236}">
+                    <a16:creationId xmlns:a16="http://schemas.microsoft.com/office/drawing/2014/main" id="{CF0591ED-8024-466E-AE2D-BB502D78B7DC}"/>
+                  </a:ext>
+                </a:extLst>
+              </p:cNvPr>
+              <p:cNvSpPr txBox="1"/>
+              <p:nvPr/>
+            </p:nvSpPr>
+            <p:spPr>
+              <a:xfrm>
+                <a:off x="1191204" y="4609382"/>
+                <a:ext cx="747971" cy="172227"/>
+              </a:xfrm>
+              <a:prstGeom prst="rect">
+                <a:avLst/>
+              </a:prstGeom>
+              <a:noFill/>
+            </p:spPr>
+            <p:style>
+              <a:lnRef idx="0">
+                <a:scrgbClr r="0" g="0" b="0"/>
+              </a:lnRef>
+              <a:fillRef idx="0">
+                <a:scrgbClr r="0" g="0" b="0"/>
+              </a:fillRef>
+              <a:effectRef idx="0">
+                <a:scrgbClr r="0" g="0" b="0"/>
+              </a:effectRef>
+              <a:fontRef idx="minor">
+                <a:schemeClr val="tx1"/>
+              </a:fontRef>
+            </p:style>
+            <p:txBody>
+              <a:bodyPr wrap="square" lIns="0" tIns="0" rIns="0" bIns="0" rtlCol="0" anchor="t">
+                <a:spAutoFit/>
+              </a:bodyPr>
+              <a:lstStyle>
+                <a:lvl1pPr marL="0" indent="0">
+                  <a:defRPr sz="1100">
+                    <a:solidFill>
+                      <a:schemeClr val="tx1"/>
+                    </a:solidFill>
+                    <a:latin typeface="+mn-lt"/>
+                    <a:ea typeface="+mn-ea"/>
+                    <a:cs typeface="+mn-cs"/>
+                  </a:defRPr>
+                </a:lvl1pPr>
+                <a:lvl2pPr marL="457200" indent="0">
+                  <a:defRPr sz="1100">
+                    <a:solidFill>
+                      <a:schemeClr val="tx1"/>
+                    </a:solidFill>
+                    <a:latin typeface="+mn-lt"/>
+                    <a:ea typeface="+mn-ea"/>
+                    <a:cs typeface="+mn-cs"/>
+                  </a:defRPr>
+                </a:lvl2pPr>
+                <a:lvl3pPr marL="914400" indent="0">
+                  <a:defRPr sz="1100">
+                    <a:solidFill>
+                      <a:schemeClr val="tx1"/>
+                    </a:solidFill>
+                    <a:latin typeface="+mn-lt"/>
+                    <a:ea typeface="+mn-ea"/>
+                    <a:cs typeface="+mn-cs"/>
+                  </a:defRPr>
+                </a:lvl3pPr>
+                <a:lvl4pPr marL="1371600" indent="0">
+                  <a:defRPr sz="1100">
+                    <a:solidFill>
+                      <a:schemeClr val="tx1"/>
+                    </a:solidFill>
+                    <a:latin typeface="+mn-lt"/>
+                    <a:ea typeface="+mn-ea"/>
+                    <a:cs typeface="+mn-cs"/>
+                  </a:defRPr>
+                </a:lvl4pPr>
+                <a:lvl5pPr marL="1828800" indent="0">
+                  <a:defRPr sz="1100">
+                    <a:solidFill>
+                      <a:schemeClr val="tx1"/>
+                    </a:solidFill>
+                    <a:latin typeface="+mn-lt"/>
+                    <a:ea typeface="+mn-ea"/>
+                    <a:cs typeface="+mn-cs"/>
+                  </a:defRPr>
+                </a:lvl5pPr>
+                <a:lvl6pPr marL="2286000" indent="0">
+                  <a:defRPr sz="1100">
+                    <a:solidFill>
+                      <a:schemeClr val="tx1"/>
+                    </a:solidFill>
+                    <a:latin typeface="+mn-lt"/>
+                    <a:ea typeface="+mn-ea"/>
+                    <a:cs typeface="+mn-cs"/>
+                  </a:defRPr>
+                </a:lvl6pPr>
+                <a:lvl7pPr marL="2743200" indent="0">
+                  <a:defRPr sz="1100">
+                    <a:solidFill>
+                      <a:schemeClr val="tx1"/>
+                    </a:solidFill>
+                    <a:latin typeface="+mn-lt"/>
+                    <a:ea typeface="+mn-ea"/>
+                    <a:cs typeface="+mn-cs"/>
+                  </a:defRPr>
+                </a:lvl7pPr>
+                <a:lvl8pPr marL="3200400" indent="0">
+                  <a:defRPr sz="1100">
+                    <a:solidFill>
+                      <a:schemeClr val="tx1"/>
+                    </a:solidFill>
+                    <a:latin typeface="+mn-lt"/>
+                    <a:ea typeface="+mn-ea"/>
+                    <a:cs typeface="+mn-cs"/>
+                  </a:defRPr>
+                </a:lvl8pPr>
+                <a:lvl9pPr marL="3657600" indent="0">
+                  <a:defRPr sz="1100">
+                    <a:solidFill>
+                      <a:schemeClr val="tx1"/>
+                    </a:solidFill>
+                    <a:latin typeface="+mn-lt"/>
+                    <a:ea typeface="+mn-ea"/>
+                    <a:cs typeface="+mn-cs"/>
+                  </a:defRPr>
+                </a:lvl9pPr>
+              </a:lstStyle>
+              <a:p>
+                <a:pPr/>
+                <a14:m>
+                  <m:oMathPara xmlns:m="http://schemas.openxmlformats.org/officeDocument/2006/math">
+                    <m:oMathParaPr>
+                      <m:jc m:val="centerGroup"/>
+                    </m:oMathParaPr>
+                    <m:oMath xmlns:m="http://schemas.openxmlformats.org/officeDocument/2006/math">
+                      <m:r>
+                        <a:rPr lang="es-GT" sz="1100" i="1">
+                          <a:latin typeface="Cambria Math" panose="02040503050406030204" pitchFamily="18" charset="0"/>
+                        </a:rPr>
+                        <m:t>𝐴</m:t>
+                      </m:r>
+                      <m:r>
+                        <a:rPr lang="en-US" sz="1100" b="0" i="1">
+                          <a:latin typeface="Cambria Math" panose="02040503050406030204" pitchFamily="18" charset="0"/>
+                        </a:rPr>
+                        <m:t>𝑥</m:t>
+                      </m:r>
+                      <m:r>
+                        <a:rPr lang="en-US" sz="1100" b="0" i="1">
+                          <a:latin typeface="Cambria Math" panose="02040503050406030204" pitchFamily="18" charset="0"/>
+                        </a:rPr>
+                        <m:t>=0</m:t>
+                      </m:r>
+                    </m:oMath>
+                  </m:oMathPara>
+                </a14:m>
+                <a:endParaRPr lang="es-GT" sz="1100" dirty="0"/>
+              </a:p>
+            </p:txBody>
+          </p:sp>
+        </mc:Choice>
+        <mc:Fallback>
+          <p:sp>
+            <p:nvSpPr>
+              <p:cNvPr id="12" name="TextBox 2">
+                <a:extLst>
+                  <a:ext uri="{FF2B5EF4-FFF2-40B4-BE49-F238E27FC236}">
+                    <a16:creationId xmlns:a16="http://schemas.microsoft.com/office/drawing/2014/main" id="{CF0591ED-8024-466E-AE2D-BB502D78B7DC}"/>
+                  </a:ext>
+                </a:extLst>
+              </p:cNvPr>
+              <p:cNvSpPr txBox="1">
+                <a:spLocks noRot="1" noChangeAspect="1" noMove="1" noResize="1" noEditPoints="1" noAdjustHandles="1" noChangeArrowheads="1" noChangeShapeType="1" noTextEdit="1"/>
+              </p:cNvSpPr>
+              <p:nvPr/>
+            </p:nvSpPr>
+            <p:spPr>
+              <a:xfrm>
+                <a:off x="1191204" y="4609382"/>
+                <a:ext cx="747971" cy="172227"/>
+              </a:xfrm>
+              <a:prstGeom prst="rect">
+                <a:avLst/>
+              </a:prstGeom>
+              <a:blipFill>
+                <a:blip r:embed="rId3"/>
+                <a:stretch>
+                  <a:fillRect b="-7143"/>
+                </a:stretch>
+              </a:blipFill>
+            </p:spPr>
+            <p:txBody>
+              <a:bodyPr/>
+              <a:lstStyle/>
+              <a:p>
+                <a:r>
+                  <a:rPr lang="es-GT">
+                    <a:noFill/>
+                  </a:rPr>
+                  <a:t> </a:t>
+                </a:r>
+              </a:p>
+            </p:txBody>
+          </p:sp>
+        </mc:Fallback>
+      </mc:AlternateContent>
+      <mc:AlternateContent xmlns:mc="http://schemas.openxmlformats.org/markup-compatibility/2006">
+        <mc:Choice xmlns:a14="http://schemas.microsoft.com/office/drawing/2010/main" Requires="a14">
+          <p:sp>
+            <p:nvSpPr>
+              <p:cNvPr id="13" name="TextBox 3">
+                <a:extLst>
+                  <a:ext uri="{FF2B5EF4-FFF2-40B4-BE49-F238E27FC236}">
+                    <a16:creationId xmlns:a16="http://schemas.microsoft.com/office/drawing/2014/main" id="{B4B25F6F-1A79-4196-99BC-7EDF3D008EF1}"/>
+                  </a:ext>
+                </a:extLst>
+              </p:cNvPr>
+              <p:cNvSpPr txBox="1"/>
+              <p:nvPr/>
+            </p:nvSpPr>
+            <p:spPr>
+              <a:xfrm>
+                <a:off x="1316321" y="5038485"/>
+                <a:ext cx="903196" cy="172227"/>
+              </a:xfrm>
+              <a:prstGeom prst="rect">
+                <a:avLst/>
+              </a:prstGeom>
+              <a:noFill/>
+            </p:spPr>
+            <p:style>
+              <a:lnRef idx="0">
+                <a:scrgbClr r="0" g="0" b="0"/>
+              </a:lnRef>
+              <a:fillRef idx="0">
+                <a:scrgbClr r="0" g="0" b="0"/>
+              </a:fillRef>
+              <a:effectRef idx="0">
+                <a:scrgbClr r="0" g="0" b="0"/>
+              </a:effectRef>
+              <a:fontRef idx="minor">
+                <a:schemeClr val="tx1"/>
+              </a:fontRef>
+            </p:style>
+            <p:txBody>
+              <a:bodyPr wrap="none" lIns="0" tIns="0" rIns="0" bIns="0" rtlCol="0" anchor="t">
+                <a:spAutoFit/>
+              </a:bodyPr>
+              <a:lstStyle>
+                <a:lvl1pPr marL="0" indent="0">
+                  <a:defRPr sz="1100">
+                    <a:solidFill>
+                      <a:schemeClr val="tx1"/>
+                    </a:solidFill>
+                    <a:latin typeface="+mn-lt"/>
+                    <a:ea typeface="+mn-ea"/>
+                    <a:cs typeface="+mn-cs"/>
+                  </a:defRPr>
+                </a:lvl1pPr>
+                <a:lvl2pPr marL="457200" indent="0">
+                  <a:defRPr sz="1100">
+                    <a:solidFill>
+                      <a:schemeClr val="tx1"/>
+                    </a:solidFill>
+                    <a:latin typeface="+mn-lt"/>
+                    <a:ea typeface="+mn-ea"/>
+                    <a:cs typeface="+mn-cs"/>
+                  </a:defRPr>
+                </a:lvl2pPr>
+                <a:lvl3pPr marL="914400" indent="0">
+                  <a:defRPr sz="1100">
+                    <a:solidFill>
+                      <a:schemeClr val="tx1"/>
+                    </a:solidFill>
+                    <a:latin typeface="+mn-lt"/>
+                    <a:ea typeface="+mn-ea"/>
+                    <a:cs typeface="+mn-cs"/>
+                  </a:defRPr>
+                </a:lvl3pPr>
+                <a:lvl4pPr marL="1371600" indent="0">
+                  <a:defRPr sz="1100">
+                    <a:solidFill>
+                      <a:schemeClr val="tx1"/>
+                    </a:solidFill>
+                    <a:latin typeface="+mn-lt"/>
+                    <a:ea typeface="+mn-ea"/>
+                    <a:cs typeface="+mn-cs"/>
+                  </a:defRPr>
+                </a:lvl4pPr>
+                <a:lvl5pPr marL="1828800" indent="0">
+                  <a:defRPr sz="1100">
+                    <a:solidFill>
+                      <a:schemeClr val="tx1"/>
+                    </a:solidFill>
+                    <a:latin typeface="+mn-lt"/>
+                    <a:ea typeface="+mn-ea"/>
+                    <a:cs typeface="+mn-cs"/>
+                  </a:defRPr>
+                </a:lvl5pPr>
+                <a:lvl6pPr marL="2286000" indent="0">
+                  <a:defRPr sz="1100">
+                    <a:solidFill>
+                      <a:schemeClr val="tx1"/>
+                    </a:solidFill>
+                    <a:latin typeface="+mn-lt"/>
+                    <a:ea typeface="+mn-ea"/>
+                    <a:cs typeface="+mn-cs"/>
+                  </a:defRPr>
+                </a:lvl6pPr>
+                <a:lvl7pPr marL="2743200" indent="0">
+                  <a:defRPr sz="1100">
+                    <a:solidFill>
+                      <a:schemeClr val="tx1"/>
+                    </a:solidFill>
+                    <a:latin typeface="+mn-lt"/>
+                    <a:ea typeface="+mn-ea"/>
+                    <a:cs typeface="+mn-cs"/>
+                  </a:defRPr>
+                </a:lvl7pPr>
+                <a:lvl8pPr marL="3200400" indent="0">
+                  <a:defRPr sz="1100">
+                    <a:solidFill>
+                      <a:schemeClr val="tx1"/>
+                    </a:solidFill>
+                    <a:latin typeface="+mn-lt"/>
+                    <a:ea typeface="+mn-ea"/>
+                    <a:cs typeface="+mn-cs"/>
+                  </a:defRPr>
+                </a:lvl8pPr>
+                <a:lvl9pPr marL="3657600" indent="0">
+                  <a:defRPr sz="1100">
+                    <a:solidFill>
+                      <a:schemeClr val="tx1"/>
+                    </a:solidFill>
+                    <a:latin typeface="+mn-lt"/>
+                    <a:ea typeface="+mn-ea"/>
+                    <a:cs typeface="+mn-cs"/>
+                  </a:defRPr>
+                </a:lvl9pPr>
+              </a:lstStyle>
+              <a:p>
+                <a:pPr/>
+                <a14:m>
+                  <m:oMathPara xmlns:m="http://schemas.openxmlformats.org/officeDocument/2006/math">
+                    <m:oMathParaPr>
+                      <m:jc m:val="centerGroup"/>
+                    </m:oMathParaPr>
+                    <m:oMath xmlns:m="http://schemas.openxmlformats.org/officeDocument/2006/math">
+                      <m:r>
+                        <a:rPr lang="en-US" sz="1100" b="0" i="1">
+                          <a:latin typeface="Cambria Math" panose="02040503050406030204" pitchFamily="18" charset="0"/>
+                        </a:rPr>
+                        <m:t>𝑉𝑜</m:t>
+                      </m:r>
+                      <m:r>
+                        <a:rPr lang="en-US" sz="1100" b="0" i="1">
+                          <a:latin typeface="Cambria Math" panose="02040503050406030204" pitchFamily="18" charset="0"/>
+                        </a:rPr>
+                        <m:t>=44.7</m:t>
+                      </m:r>
+                      <m:r>
+                        <a:rPr lang="en-US" sz="1100" b="0" i="1">
+                          <a:latin typeface="Cambria Math" panose="02040503050406030204" pitchFamily="18" charset="0"/>
+                        </a:rPr>
+                        <m:t>𝑚</m:t>
+                      </m:r>
+                      <m:r>
+                        <a:rPr lang="en-US" sz="1100" b="0" i="1">
+                          <a:latin typeface="Cambria Math" panose="02040503050406030204" pitchFamily="18" charset="0"/>
+                        </a:rPr>
+                        <m:t>/</m:t>
+                      </m:r>
+                      <m:r>
+                        <a:rPr lang="en-US" sz="1100" b="0" i="1">
+                          <a:latin typeface="Cambria Math" panose="02040503050406030204" pitchFamily="18" charset="0"/>
+                        </a:rPr>
+                        <m:t>𝑠</m:t>
+                      </m:r>
+                    </m:oMath>
+                  </m:oMathPara>
+                </a14:m>
+                <a:endParaRPr lang="es-GT" sz="1100" dirty="0"/>
+              </a:p>
+            </p:txBody>
+          </p:sp>
+        </mc:Choice>
+        <mc:Fallback>
+          <p:sp>
+            <p:nvSpPr>
+              <p:cNvPr id="13" name="TextBox 3">
+                <a:extLst>
+                  <a:ext uri="{FF2B5EF4-FFF2-40B4-BE49-F238E27FC236}">
+                    <a16:creationId xmlns:a16="http://schemas.microsoft.com/office/drawing/2014/main" id="{B4B25F6F-1A79-4196-99BC-7EDF3D008EF1}"/>
+                  </a:ext>
+                </a:extLst>
+              </p:cNvPr>
+              <p:cNvSpPr txBox="1">
+                <a:spLocks noRot="1" noChangeAspect="1" noMove="1" noResize="1" noEditPoints="1" noAdjustHandles="1" noChangeArrowheads="1" noChangeShapeType="1" noTextEdit="1"/>
+              </p:cNvSpPr>
+              <p:nvPr/>
+            </p:nvSpPr>
+            <p:spPr>
+              <a:xfrm>
+                <a:off x="1316321" y="5038485"/>
+                <a:ext cx="903196" cy="172227"/>
+              </a:xfrm>
+              <a:prstGeom prst="rect">
+                <a:avLst/>
+              </a:prstGeom>
+              <a:blipFill>
+                <a:blip r:embed="rId4"/>
+                <a:stretch>
+                  <a:fillRect l="-3378" r="-2027" b="-35714"/>
+                </a:stretch>
+              </a:blipFill>
+            </p:spPr>
+            <p:txBody>
+              <a:bodyPr/>
+              <a:lstStyle/>
+              <a:p>
+                <a:r>
+                  <a:rPr lang="es-GT">
+                    <a:noFill/>
+                  </a:rPr>
+                  <a:t> </a:t>
+                </a:r>
+              </a:p>
+            </p:txBody>
+          </p:sp>
+        </mc:Fallback>
+      </mc:AlternateContent>
+      <mc:AlternateContent xmlns:mc="http://schemas.openxmlformats.org/markup-compatibility/2006">
+        <mc:Choice xmlns:a14="http://schemas.microsoft.com/office/drawing/2010/main" Requires="a14">
+          <p:sp>
+            <p:nvSpPr>
+              <p:cNvPr id="14" name="TextBox 4">
+                <a:extLst>
+                  <a:ext uri="{FF2B5EF4-FFF2-40B4-BE49-F238E27FC236}">
+                    <a16:creationId xmlns:a16="http://schemas.microsoft.com/office/drawing/2014/main" id="{EDC836E2-2863-4C12-907B-A988DFF09DC2}"/>
+                  </a:ext>
+                </a:extLst>
+              </p:cNvPr>
+              <p:cNvSpPr txBox="1"/>
+              <p:nvPr/>
+            </p:nvSpPr>
+            <p:spPr>
+              <a:xfrm>
+                <a:off x="1316321" y="5366501"/>
+                <a:ext cx="939103" cy="172227"/>
+              </a:xfrm>
+              <a:prstGeom prst="rect">
+                <a:avLst/>
+              </a:prstGeom>
+              <a:noFill/>
+            </p:spPr>
+            <p:style>
+              <a:lnRef idx="0">
+                <a:scrgbClr r="0" g="0" b="0"/>
+              </a:lnRef>
+              <a:fillRef idx="0">
+                <a:scrgbClr r="0" g="0" b="0"/>
+              </a:fillRef>
+              <a:effectRef idx="0">
+                <a:scrgbClr r="0" g="0" b="0"/>
+              </a:effectRef>
+              <a:fontRef idx="minor">
+                <a:schemeClr val="tx1"/>
+              </a:fontRef>
+            </p:style>
+            <p:txBody>
+              <a:bodyPr wrap="none" lIns="0" tIns="0" rIns="0" bIns="0" rtlCol="0" anchor="t">
+                <a:spAutoFit/>
+              </a:bodyPr>
+              <a:lstStyle>
+                <a:lvl1pPr marL="0" indent="0">
+                  <a:defRPr sz="1100">
+                    <a:solidFill>
+                      <a:schemeClr val="tx1"/>
+                    </a:solidFill>
+                    <a:latin typeface="+mn-lt"/>
+                    <a:ea typeface="+mn-ea"/>
+                    <a:cs typeface="+mn-cs"/>
+                  </a:defRPr>
+                </a:lvl1pPr>
+                <a:lvl2pPr marL="457200" indent="0">
+                  <a:defRPr sz="1100">
+                    <a:solidFill>
+                      <a:schemeClr val="tx1"/>
+                    </a:solidFill>
+                    <a:latin typeface="+mn-lt"/>
+                    <a:ea typeface="+mn-ea"/>
+                    <a:cs typeface="+mn-cs"/>
+                  </a:defRPr>
+                </a:lvl2pPr>
+                <a:lvl3pPr marL="914400" indent="0">
+                  <a:defRPr sz="1100">
+                    <a:solidFill>
+                      <a:schemeClr val="tx1"/>
+                    </a:solidFill>
+                    <a:latin typeface="+mn-lt"/>
+                    <a:ea typeface="+mn-ea"/>
+                    <a:cs typeface="+mn-cs"/>
+                  </a:defRPr>
+                </a:lvl3pPr>
+                <a:lvl4pPr marL="1371600" indent="0">
+                  <a:defRPr sz="1100">
+                    <a:solidFill>
+                      <a:schemeClr val="tx1"/>
+                    </a:solidFill>
+                    <a:latin typeface="+mn-lt"/>
+                    <a:ea typeface="+mn-ea"/>
+                    <a:cs typeface="+mn-cs"/>
+                  </a:defRPr>
+                </a:lvl4pPr>
+                <a:lvl5pPr marL="1828800" indent="0">
+                  <a:defRPr sz="1100">
+                    <a:solidFill>
+                      <a:schemeClr val="tx1"/>
+                    </a:solidFill>
+                    <a:latin typeface="+mn-lt"/>
+                    <a:ea typeface="+mn-ea"/>
+                    <a:cs typeface="+mn-cs"/>
+                  </a:defRPr>
+                </a:lvl5pPr>
+                <a:lvl6pPr marL="2286000" indent="0">
+                  <a:defRPr sz="1100">
+                    <a:solidFill>
+                      <a:schemeClr val="tx1"/>
+                    </a:solidFill>
+                    <a:latin typeface="+mn-lt"/>
+                    <a:ea typeface="+mn-ea"/>
+                    <a:cs typeface="+mn-cs"/>
+                  </a:defRPr>
+                </a:lvl6pPr>
+                <a:lvl7pPr marL="2743200" indent="0">
+                  <a:defRPr sz="1100">
+                    <a:solidFill>
+                      <a:schemeClr val="tx1"/>
+                    </a:solidFill>
+                    <a:latin typeface="+mn-lt"/>
+                    <a:ea typeface="+mn-ea"/>
+                    <a:cs typeface="+mn-cs"/>
+                  </a:defRPr>
+                </a:lvl7pPr>
+                <a:lvl8pPr marL="3200400" indent="0">
+                  <a:defRPr sz="1100">
+                    <a:solidFill>
+                      <a:schemeClr val="tx1"/>
+                    </a:solidFill>
+                    <a:latin typeface="+mn-lt"/>
+                    <a:ea typeface="+mn-ea"/>
+                    <a:cs typeface="+mn-cs"/>
+                  </a:defRPr>
+                </a:lvl8pPr>
+                <a:lvl9pPr marL="3657600" indent="0">
+                  <a:defRPr sz="1100">
+                    <a:solidFill>
+                      <a:schemeClr val="tx1"/>
+                    </a:solidFill>
+                    <a:latin typeface="+mn-lt"/>
+                    <a:ea typeface="+mn-ea"/>
+                    <a:cs typeface="+mn-cs"/>
+                  </a:defRPr>
+                </a:lvl9pPr>
+              </a:lstStyle>
+              <a:p>
+                <a:pPr/>
+                <a14:m>
+                  <m:oMathPara xmlns:m="http://schemas.openxmlformats.org/officeDocument/2006/math">
+                    <m:oMathParaPr>
+                      <m:jc m:val="centerGroup"/>
+                    </m:oMathParaPr>
+                    <m:oMath xmlns:m="http://schemas.openxmlformats.org/officeDocument/2006/math">
+                      <m:r>
+                        <a:rPr lang="en-US" sz="1100" b="0" i="1">
+                          <a:latin typeface="Cambria Math" panose="02040503050406030204" pitchFamily="18" charset="0"/>
+                        </a:rPr>
+                        <m:t>𝐴𝑛𝑔𝑢𝑙𝑜</m:t>
+                      </m:r>
+                      <m:r>
+                        <a:rPr lang="en-US" sz="1100" b="0" i="1">
+                          <a:latin typeface="Cambria Math" panose="02040503050406030204" pitchFamily="18" charset="0"/>
+                        </a:rPr>
+                        <m:t>=26.5</m:t>
+                      </m:r>
+                    </m:oMath>
+                  </m:oMathPara>
+                </a14:m>
+                <a:endParaRPr lang="es-GT" sz="1100" dirty="0"/>
+              </a:p>
+            </p:txBody>
+          </p:sp>
+        </mc:Choice>
+        <mc:Fallback>
+          <p:sp>
+            <p:nvSpPr>
+              <p:cNvPr id="14" name="TextBox 4">
+                <a:extLst>
+                  <a:ext uri="{FF2B5EF4-FFF2-40B4-BE49-F238E27FC236}">
+                    <a16:creationId xmlns:a16="http://schemas.microsoft.com/office/drawing/2014/main" id="{EDC836E2-2863-4C12-907B-A988DFF09DC2}"/>
+                  </a:ext>
+                </a:extLst>
+              </p:cNvPr>
+              <p:cNvSpPr txBox="1">
+                <a:spLocks noRot="1" noChangeAspect="1" noMove="1" noResize="1" noEditPoints="1" noAdjustHandles="1" noChangeArrowheads="1" noChangeShapeType="1" noTextEdit="1"/>
+              </p:cNvSpPr>
+              <p:nvPr/>
+            </p:nvSpPr>
+            <p:spPr>
+              <a:xfrm>
+                <a:off x="1316321" y="5366501"/>
+                <a:ext cx="939103" cy="172227"/>
+              </a:xfrm>
+              <a:prstGeom prst="rect">
+                <a:avLst/>
+              </a:prstGeom>
+              <a:blipFill>
+                <a:blip r:embed="rId5"/>
+                <a:stretch>
+                  <a:fillRect l="-5195" r="-3896" b="-31034"/>
+                </a:stretch>
+              </a:blipFill>
+            </p:spPr>
+            <p:txBody>
+              <a:bodyPr/>
+              <a:lstStyle/>
+              <a:p>
+                <a:r>
+                  <a:rPr lang="es-GT">
+                    <a:noFill/>
+                  </a:rPr>
+                  <a:t> </a:t>
+                </a:r>
+              </a:p>
+            </p:txBody>
+          </p:sp>
+        </mc:Fallback>
+      </mc:AlternateContent>
+      <mc:AlternateContent xmlns:mc="http://schemas.openxmlformats.org/markup-compatibility/2006">
+        <mc:Choice xmlns:a14="http://schemas.microsoft.com/office/drawing/2010/main" Requires="a14">
+          <p:sp>
+            <p:nvSpPr>
+              <p:cNvPr id="15" name="TextBox 14">
+                <a:extLst>
+                  <a:ext uri="{FF2B5EF4-FFF2-40B4-BE49-F238E27FC236}">
+                    <a16:creationId xmlns:a16="http://schemas.microsoft.com/office/drawing/2014/main" id="{D7C9582B-36C3-4491-8841-47D9D9AE7779}"/>
+                  </a:ext>
+                </a:extLst>
+              </p:cNvPr>
+              <p:cNvSpPr txBox="1"/>
+              <p:nvPr/>
+            </p:nvSpPr>
+            <p:spPr>
+              <a:xfrm>
+                <a:off x="3234451" y="4761486"/>
+                <a:ext cx="226023" cy="276999"/>
+              </a:xfrm>
+              <a:prstGeom prst="rect">
+                <a:avLst/>
+              </a:prstGeom>
+              <a:noFill/>
+            </p:spPr>
+            <p:txBody>
+              <a:bodyPr wrap="none" lIns="0" tIns="0" rIns="0" bIns="0" rtlCol="0">
+                <a:spAutoFit/>
+              </a:bodyPr>
+              <a:lstStyle/>
+              <a:p>
+                <a14:m>
+                  <m:oMathPara xmlns:m="http://schemas.openxmlformats.org/officeDocument/2006/math">
+                    <m:oMathParaPr>
+                      <m:jc m:val="centerGroup"/>
+                    </m:oMathParaPr>
+                    <m:oMath xmlns:m="http://schemas.openxmlformats.org/officeDocument/2006/math">
+                      <m:r>
+                        <a:rPr lang="en-US" b="0" i="1" smtClean="0">
+                          <a:latin typeface="Cambria Math" panose="02040503050406030204" pitchFamily="18" charset="0"/>
+                        </a:rPr>
+                        <m:t>=</m:t>
+                      </m:r>
+                    </m:oMath>
+                  </m:oMathPara>
+                </a14:m>
+                <a:endParaRPr lang="es-GT" dirty="0"/>
+              </a:p>
+            </p:txBody>
+          </p:sp>
+        </mc:Choice>
+        <mc:Fallback>
+          <p:sp>
+            <p:nvSpPr>
+              <p:cNvPr id="15" name="TextBox 14">
+                <a:extLst>
+                  <a:ext uri="{FF2B5EF4-FFF2-40B4-BE49-F238E27FC236}">
+                    <a16:creationId xmlns:a16="http://schemas.microsoft.com/office/drawing/2014/main" id="{D7C9582B-36C3-4491-8841-47D9D9AE7779}"/>
+                  </a:ext>
+                </a:extLst>
+              </p:cNvPr>
+              <p:cNvSpPr txBox="1">
+                <a:spLocks noRot="1" noChangeAspect="1" noMove="1" noResize="1" noEditPoints="1" noAdjustHandles="1" noChangeArrowheads="1" noChangeShapeType="1" noTextEdit="1"/>
+              </p:cNvSpPr>
+              <p:nvPr/>
+            </p:nvSpPr>
+            <p:spPr>
+              <a:xfrm>
+                <a:off x="3234451" y="4761486"/>
+                <a:ext cx="226023" cy="276999"/>
+              </a:xfrm>
+              <a:prstGeom prst="rect">
+                <a:avLst/>
+              </a:prstGeom>
+              <a:blipFill>
+                <a:blip r:embed="rId6"/>
+                <a:stretch>
+                  <a:fillRect l="-13514" r="-8108"/>
+                </a:stretch>
+              </a:blipFill>
+            </p:spPr>
+            <p:txBody>
+              <a:bodyPr/>
+              <a:lstStyle/>
+              <a:p>
+                <a:r>
+                  <a:rPr lang="es-GT">
+                    <a:noFill/>
+                  </a:rPr>
+                  <a:t> </a:t>
+                </a:r>
+              </a:p>
+            </p:txBody>
+          </p:sp>
+        </mc:Fallback>
+      </mc:AlternateContent>
+      <mc:AlternateContent xmlns:mc="http://schemas.openxmlformats.org/markup-compatibility/2006">
+        <mc:Choice xmlns:a14="http://schemas.microsoft.com/office/drawing/2010/main" Requires="a14">
+          <p:sp>
+            <p:nvSpPr>
+              <p:cNvPr id="16" name="TextBox 15">
+                <a:extLst>
+                  <a:ext uri="{FF2B5EF4-FFF2-40B4-BE49-F238E27FC236}">
+                    <a16:creationId xmlns:a16="http://schemas.microsoft.com/office/drawing/2014/main" id="{7E2CDCE3-8134-43C4-AC1F-9E37CAD57D1E}"/>
+                  </a:ext>
+                </a:extLst>
+              </p:cNvPr>
+              <p:cNvSpPr txBox="1"/>
+              <p:nvPr/>
+            </p:nvSpPr>
+            <p:spPr>
+              <a:xfrm>
+                <a:off x="3791843" y="4761485"/>
+                <a:ext cx="2304157" cy="276999"/>
+              </a:xfrm>
+              <a:prstGeom prst="rect">
+                <a:avLst/>
+              </a:prstGeom>
+              <a:noFill/>
+            </p:spPr>
+            <p:txBody>
+              <a:bodyPr wrap="none" lIns="0" tIns="0" rIns="0" bIns="0" rtlCol="0">
+                <a:spAutoFit/>
+              </a:bodyPr>
+              <a:lstStyle/>
+              <a:p>
+                <a14:m>
+                  <m:oMathPara xmlns:m="http://schemas.openxmlformats.org/officeDocument/2006/math">
+                    <m:oMathParaPr>
+                      <m:jc m:val="centerGroup"/>
+                    </m:oMathParaPr>
+                    <m:oMath xmlns:m="http://schemas.openxmlformats.org/officeDocument/2006/math">
+                      <m:r>
+                        <a:rPr lang="en-US" b="0" i="1" smtClean="0">
+                          <a:latin typeface="Cambria Math" panose="02040503050406030204" pitchFamily="18" charset="0"/>
+                        </a:rPr>
+                        <m:t>44.7</m:t>
+                      </m:r>
+                      <m:r>
+                        <a:rPr lang="en-US" b="0" i="1" smtClean="0">
+                          <a:latin typeface="Cambria Math" panose="02040503050406030204" pitchFamily="18" charset="0"/>
+                        </a:rPr>
+                        <m:t>𝑚</m:t>
+                      </m:r>
+                      <m:r>
+                        <a:rPr lang="en-US" b="0" i="1" smtClean="0">
+                          <a:latin typeface="Cambria Math" panose="02040503050406030204" pitchFamily="18" charset="0"/>
+                        </a:rPr>
+                        <m:t>/</m:t>
+                      </m:r>
+                      <m:r>
+                        <a:rPr lang="en-US" b="0" i="1" smtClean="0">
+                          <a:latin typeface="Cambria Math" panose="02040503050406030204" pitchFamily="18" charset="0"/>
+                        </a:rPr>
+                        <m:t>𝑠</m:t>
+                      </m:r>
+                      <m:r>
+                        <a:rPr lang="en-US" b="0" i="1" smtClean="0">
+                          <a:latin typeface="Cambria Math" panose="02040503050406030204" pitchFamily="18" charset="0"/>
+                        </a:rPr>
+                        <m:t>(</m:t>
+                      </m:r>
+                      <m:r>
+                        <a:rPr lang="en-US" b="0" i="1" smtClean="0">
+                          <a:latin typeface="Cambria Math" panose="02040503050406030204" pitchFamily="18" charset="0"/>
+                        </a:rPr>
+                        <m:t>𝑐𝑜𝑠</m:t>
+                      </m:r>
+                      <m:r>
+                        <a:rPr lang="en-US" b="0" i="1" smtClean="0">
+                          <a:latin typeface="Cambria Math" panose="02040503050406030204" pitchFamily="18" charset="0"/>
+                        </a:rPr>
+                        <m:t>26.5)(7</m:t>
+                      </m:r>
+                      <m:r>
+                        <a:rPr lang="en-US" b="0" i="1" smtClean="0">
+                          <a:latin typeface="Cambria Math" panose="02040503050406030204" pitchFamily="18" charset="0"/>
+                        </a:rPr>
+                        <m:t>𝑠</m:t>
+                      </m:r>
+                      <m:r>
+                        <a:rPr lang="en-US" b="0" i="1" smtClean="0">
+                          <a:latin typeface="Cambria Math" panose="02040503050406030204" pitchFamily="18" charset="0"/>
+                        </a:rPr>
+                        <m:t>)</m:t>
+                      </m:r>
+                    </m:oMath>
+                  </m:oMathPara>
+                </a14:m>
+                <a:endParaRPr lang="es-GT" dirty="0"/>
+              </a:p>
+            </p:txBody>
+          </p:sp>
+        </mc:Choice>
+        <mc:Fallback>
+          <p:sp>
+            <p:nvSpPr>
+              <p:cNvPr id="16" name="TextBox 15">
+                <a:extLst>
+                  <a:ext uri="{FF2B5EF4-FFF2-40B4-BE49-F238E27FC236}">
+                    <a16:creationId xmlns:a16="http://schemas.microsoft.com/office/drawing/2014/main" id="{7E2CDCE3-8134-43C4-AC1F-9E37CAD57D1E}"/>
+                  </a:ext>
+                </a:extLst>
+              </p:cNvPr>
+              <p:cNvSpPr txBox="1">
+                <a:spLocks noRot="1" noChangeAspect="1" noMove="1" noResize="1" noEditPoints="1" noAdjustHandles="1" noChangeArrowheads="1" noChangeShapeType="1" noTextEdit="1"/>
+              </p:cNvSpPr>
+              <p:nvPr/>
+            </p:nvSpPr>
+            <p:spPr>
+              <a:xfrm>
+                <a:off x="3791843" y="4761485"/>
+                <a:ext cx="2304157" cy="276999"/>
+              </a:xfrm>
+              <a:prstGeom prst="rect">
+                <a:avLst/>
+              </a:prstGeom>
+              <a:blipFill>
+                <a:blip r:embed="rId7"/>
+                <a:stretch>
+                  <a:fillRect l="-1852" t="-2174" r="-3175" b="-32609"/>
+                </a:stretch>
+              </a:blipFill>
+            </p:spPr>
+            <p:txBody>
+              <a:bodyPr/>
+              <a:lstStyle/>
+              <a:p>
+                <a:r>
+                  <a:rPr lang="es-GT">
+                    <a:noFill/>
+                  </a:rPr>
+                  <a:t> </a:t>
+                </a:r>
+              </a:p>
+            </p:txBody>
+          </p:sp>
+        </mc:Fallback>
+      </mc:AlternateContent>
+      <mc:AlternateContent xmlns:mc="http://schemas.openxmlformats.org/markup-compatibility/2006">
+        <mc:Choice xmlns:a14="http://schemas.microsoft.com/office/drawing/2010/main" Requires="a14">
+          <p:sp>
+            <p:nvSpPr>
+              <p:cNvPr id="18" name="TextBox 17">
+                <a:extLst>
+                  <a:ext uri="{FF2B5EF4-FFF2-40B4-BE49-F238E27FC236}">
+                    <a16:creationId xmlns:a16="http://schemas.microsoft.com/office/drawing/2014/main" id="{4D81A9F1-E01A-4E7F-9B48-CFA889D47E2B}"/>
+                  </a:ext>
+                </a:extLst>
+              </p:cNvPr>
+              <p:cNvSpPr txBox="1"/>
+              <p:nvPr/>
+            </p:nvSpPr>
+            <p:spPr>
+              <a:xfrm>
+                <a:off x="6201346" y="4774121"/>
+                <a:ext cx="226023" cy="276999"/>
+              </a:xfrm>
+              <a:prstGeom prst="rect">
+                <a:avLst/>
+              </a:prstGeom>
+              <a:noFill/>
+            </p:spPr>
+            <p:txBody>
+              <a:bodyPr wrap="none" lIns="0" tIns="0" rIns="0" bIns="0" rtlCol="0">
+                <a:spAutoFit/>
+              </a:bodyPr>
+              <a:lstStyle/>
+              <a:p>
+                <a14:m>
+                  <m:oMathPara xmlns:m="http://schemas.openxmlformats.org/officeDocument/2006/math">
+                    <m:oMathParaPr>
+                      <m:jc m:val="centerGroup"/>
+                    </m:oMathParaPr>
+                    <m:oMath xmlns:m="http://schemas.openxmlformats.org/officeDocument/2006/math">
+                      <m:r>
+                        <a:rPr lang="en-US" b="0" i="1" smtClean="0">
+                          <a:latin typeface="Cambria Math" panose="02040503050406030204" pitchFamily="18" charset="0"/>
+                        </a:rPr>
+                        <m:t>=</m:t>
+                      </m:r>
+                    </m:oMath>
+                  </m:oMathPara>
+                </a14:m>
+                <a:endParaRPr lang="es-GT" dirty="0"/>
+              </a:p>
+            </p:txBody>
+          </p:sp>
+        </mc:Choice>
+        <mc:Fallback>
+          <p:sp>
+            <p:nvSpPr>
+              <p:cNvPr id="18" name="TextBox 17">
+                <a:extLst>
+                  <a:ext uri="{FF2B5EF4-FFF2-40B4-BE49-F238E27FC236}">
+                    <a16:creationId xmlns:a16="http://schemas.microsoft.com/office/drawing/2014/main" id="{4D81A9F1-E01A-4E7F-9B48-CFA889D47E2B}"/>
+                  </a:ext>
+                </a:extLst>
+              </p:cNvPr>
+              <p:cNvSpPr txBox="1">
+                <a:spLocks noRot="1" noChangeAspect="1" noMove="1" noResize="1" noEditPoints="1" noAdjustHandles="1" noChangeArrowheads="1" noChangeShapeType="1" noTextEdit="1"/>
+              </p:cNvSpPr>
+              <p:nvPr/>
+            </p:nvSpPr>
+            <p:spPr>
+              <a:xfrm>
+                <a:off x="6201346" y="4774121"/>
+                <a:ext cx="226023" cy="276999"/>
+              </a:xfrm>
+              <a:prstGeom prst="rect">
+                <a:avLst/>
+              </a:prstGeom>
+              <a:blipFill>
+                <a:blip r:embed="rId8"/>
+                <a:stretch>
+                  <a:fillRect l="-10811" r="-10811"/>
+                </a:stretch>
+              </a:blipFill>
+            </p:spPr>
+            <p:txBody>
+              <a:bodyPr/>
+              <a:lstStyle/>
+              <a:p>
+                <a:r>
+                  <a:rPr lang="es-GT">
+                    <a:noFill/>
+                  </a:rPr>
+                  <a:t> </a:t>
+                </a:r>
+              </a:p>
+            </p:txBody>
+          </p:sp>
+        </mc:Fallback>
+      </mc:AlternateContent>
+      <mc:AlternateContent xmlns:mc="http://schemas.openxmlformats.org/markup-compatibility/2006">
+        <mc:Choice xmlns:a14="http://schemas.microsoft.com/office/drawing/2010/main" Requires="a14">
+          <p:sp>
+            <p:nvSpPr>
+              <p:cNvPr id="19" name="TextBox 18">
+                <a:extLst>
+                  <a:ext uri="{FF2B5EF4-FFF2-40B4-BE49-F238E27FC236}">
+                    <a16:creationId xmlns:a16="http://schemas.microsoft.com/office/drawing/2014/main" id="{09E7FBBC-9B03-4C04-B76B-0C64FD97CBB0}"/>
+                  </a:ext>
+                </a:extLst>
+              </p:cNvPr>
+              <p:cNvSpPr txBox="1"/>
+              <p:nvPr/>
+            </p:nvSpPr>
+            <p:spPr>
+              <a:xfrm>
+                <a:off x="6555683" y="4788284"/>
+                <a:ext cx="686855" cy="276999"/>
+              </a:xfrm>
+              <a:prstGeom prst="rect">
+                <a:avLst/>
+              </a:prstGeom>
+              <a:noFill/>
+            </p:spPr>
+            <p:txBody>
+              <a:bodyPr wrap="none" lIns="0" tIns="0" rIns="0" bIns="0" rtlCol="0">
+                <a:spAutoFit/>
+              </a:bodyPr>
+              <a:lstStyle/>
+              <a:p>
+                <a14:m>
+                  <m:oMathPara xmlns:m="http://schemas.openxmlformats.org/officeDocument/2006/math">
+                    <m:oMathParaPr>
+                      <m:jc m:val="centerGroup"/>
+                    </m:oMathParaPr>
+                    <m:oMath xmlns:m="http://schemas.openxmlformats.org/officeDocument/2006/math">
+                      <m:r>
+                        <a:rPr lang="en-US" b="0" i="1" smtClean="0">
+                          <a:latin typeface="Cambria Math" panose="02040503050406030204" pitchFamily="18" charset="0"/>
+                        </a:rPr>
+                        <m:t>280 </m:t>
+                      </m:r>
+                      <m:r>
+                        <a:rPr lang="en-US" b="0" i="1" smtClean="0">
+                          <a:latin typeface="Cambria Math" panose="02040503050406030204" pitchFamily="18" charset="0"/>
+                        </a:rPr>
+                        <m:t>𝑚</m:t>
+                      </m:r>
+                    </m:oMath>
+                  </m:oMathPara>
+                </a14:m>
+                <a:endParaRPr lang="es-GT" dirty="0"/>
+              </a:p>
+            </p:txBody>
+          </p:sp>
+        </mc:Choice>
+        <mc:Fallback>
+          <p:sp>
+            <p:nvSpPr>
+              <p:cNvPr id="19" name="TextBox 18">
+                <a:extLst>
+                  <a:ext uri="{FF2B5EF4-FFF2-40B4-BE49-F238E27FC236}">
+                    <a16:creationId xmlns:a16="http://schemas.microsoft.com/office/drawing/2014/main" id="{09E7FBBC-9B03-4C04-B76B-0C64FD97CBB0}"/>
+                  </a:ext>
+                </a:extLst>
+              </p:cNvPr>
+              <p:cNvSpPr txBox="1">
+                <a:spLocks noRot="1" noChangeAspect="1" noMove="1" noResize="1" noEditPoints="1" noAdjustHandles="1" noChangeArrowheads="1" noChangeShapeType="1" noTextEdit="1"/>
+              </p:cNvSpPr>
+              <p:nvPr/>
+            </p:nvSpPr>
+            <p:spPr>
+              <a:xfrm>
+                <a:off x="6555683" y="4788284"/>
+                <a:ext cx="686855" cy="276999"/>
+              </a:xfrm>
+              <a:prstGeom prst="rect">
+                <a:avLst/>
+              </a:prstGeom>
+              <a:blipFill>
+                <a:blip r:embed="rId9"/>
+                <a:stretch>
+                  <a:fillRect l="-7080" r="-4425" b="-6522"/>
+                </a:stretch>
+              </a:blipFill>
+            </p:spPr>
+            <p:txBody>
+              <a:bodyPr/>
+              <a:lstStyle/>
+              <a:p>
+                <a:r>
+                  <a:rPr lang="es-GT">
+                    <a:noFill/>
+                  </a:rPr>
+                  <a:t> </a:t>
+                </a:r>
+              </a:p>
+            </p:txBody>
+          </p:sp>
+        </mc:Fallback>
+      </mc:AlternateContent>
     </p:spTree>
     <p:extLst>
       <p:ext uri="{BB962C8B-B14F-4D97-AF65-F5344CB8AC3E}">
@@ -6322,6 +8363,541 @@
   <p:clrMapOvr>
     <a:masterClrMapping/>
   </p:clrMapOvr>
+  <p:timing>
+    <p:tnLst>
+      <p:par>
+        <p:cTn id="1" dur="indefinite" restart="never" nodeType="tmRoot">
+          <p:childTnLst>
+            <p:seq concurrent="1" nextAc="seek">
+              <p:cTn id="2" dur="indefinite" nodeType="mainSeq">
+                <p:childTnLst>
+                  <p:par>
+                    <p:cTn id="3" fill="hold">
+                      <p:stCondLst>
+                        <p:cond delay="indefinite"/>
+                      </p:stCondLst>
+                      <p:childTnLst>
+                        <p:par>
+                          <p:cTn id="4" fill="hold">
+                            <p:stCondLst>
+                              <p:cond delay="0"/>
+                            </p:stCondLst>
+                            <p:childTnLst>
+                              <p:par>
+                                <p:cTn id="5" presetID="1" presetClass="entr" presetSubtype="0" fill="hold" nodeType="clickEffect">
+                                  <p:stCondLst>
+                                    <p:cond delay="0"/>
+                                  </p:stCondLst>
+                                  <p:childTnLst>
+                                    <p:set>
+                                      <p:cBhvr>
+                                        <p:cTn id="6" dur="1" fill="hold">
+                                          <p:stCondLst>
+                                            <p:cond delay="0"/>
+                                          </p:stCondLst>
+                                        </p:cTn>
+                                        <p:tgtEl>
+                                          <p:spTgt spid="7"/>
+                                        </p:tgtEl>
+                                        <p:attrNameLst>
+                                          <p:attrName>style.visibility</p:attrName>
+                                        </p:attrNameLst>
+                                      </p:cBhvr>
+                                      <p:to>
+                                        <p:strVal val="visible"/>
+                                      </p:to>
+                                    </p:set>
+                                  </p:childTnLst>
+                                </p:cTn>
+                              </p:par>
+                            </p:childTnLst>
+                          </p:cTn>
+                        </p:par>
+                      </p:childTnLst>
+                    </p:cTn>
+                  </p:par>
+                  <p:par>
+                    <p:cTn id="7" fill="hold">
+                      <p:stCondLst>
+                        <p:cond delay="indefinite"/>
+                      </p:stCondLst>
+                      <p:childTnLst>
+                        <p:par>
+                          <p:cTn id="8" fill="hold">
+                            <p:stCondLst>
+                              <p:cond delay="0"/>
+                            </p:stCondLst>
+                            <p:childTnLst>
+                              <p:par>
+                                <p:cTn id="9" presetID="1" presetClass="entr" presetSubtype="0" fill="hold" nodeType="clickEffect">
+                                  <p:stCondLst>
+                                    <p:cond delay="0"/>
+                                  </p:stCondLst>
+                                  <p:childTnLst>
+                                    <p:set>
+                                      <p:cBhvr>
+                                        <p:cTn id="10" dur="1" fill="hold">
+                                          <p:stCondLst>
+                                            <p:cond delay="0"/>
+                                          </p:stCondLst>
+                                        </p:cTn>
+                                        <p:tgtEl>
+                                          <p:spTgt spid="8"/>
+                                        </p:tgtEl>
+                                        <p:attrNameLst>
+                                          <p:attrName>style.visibility</p:attrName>
+                                        </p:attrNameLst>
+                                      </p:cBhvr>
+                                      <p:to>
+                                        <p:strVal val="visible"/>
+                                      </p:to>
+                                    </p:set>
+                                  </p:childTnLst>
+                                </p:cTn>
+                              </p:par>
+                            </p:childTnLst>
+                          </p:cTn>
+                        </p:par>
+                      </p:childTnLst>
+                    </p:cTn>
+                  </p:par>
+                  <p:par>
+                    <p:cTn id="11" fill="hold">
+                      <p:stCondLst>
+                        <p:cond delay="indefinite"/>
+                      </p:stCondLst>
+                      <p:childTnLst>
+                        <p:par>
+                          <p:cTn id="12" fill="hold">
+                            <p:stCondLst>
+                              <p:cond delay="0"/>
+                            </p:stCondLst>
+                            <p:childTnLst>
+                              <p:par>
+                                <p:cTn id="13" presetID="1" presetClass="entr" presetSubtype="0" fill="hold" nodeType="clickEffect">
+                                  <p:stCondLst>
+                                    <p:cond delay="0"/>
+                                  </p:stCondLst>
+                                  <p:childTnLst>
+                                    <p:set>
+                                      <p:cBhvr>
+                                        <p:cTn id="14" dur="1" fill="hold">
+                                          <p:stCondLst>
+                                            <p:cond delay="0"/>
+                                          </p:stCondLst>
+                                        </p:cTn>
+                                        <p:tgtEl>
+                                          <p:spTgt spid="9"/>
+                                        </p:tgtEl>
+                                        <p:attrNameLst>
+                                          <p:attrName>style.visibility</p:attrName>
+                                        </p:attrNameLst>
+                                      </p:cBhvr>
+                                      <p:to>
+                                        <p:strVal val="visible"/>
+                                      </p:to>
+                                    </p:set>
+                                  </p:childTnLst>
+                                </p:cTn>
+                              </p:par>
+                            </p:childTnLst>
+                          </p:cTn>
+                        </p:par>
+                      </p:childTnLst>
+                    </p:cTn>
+                  </p:par>
+                  <p:par>
+                    <p:cTn id="15" fill="hold">
+                      <p:stCondLst>
+                        <p:cond delay="indefinite"/>
+                      </p:stCondLst>
+                      <p:childTnLst>
+                        <p:par>
+                          <p:cTn id="16" fill="hold">
+                            <p:stCondLst>
+                              <p:cond delay="0"/>
+                            </p:stCondLst>
+                            <p:childTnLst>
+                              <p:par>
+                                <p:cTn id="17" presetID="1" presetClass="entr" presetSubtype="0" fill="hold" grpId="0" nodeType="clickEffect">
+                                  <p:stCondLst>
+                                    <p:cond delay="0"/>
+                                  </p:stCondLst>
+                                  <p:childTnLst>
+                                    <p:set>
+                                      <p:cBhvr>
+                                        <p:cTn id="18" dur="1" fill="hold">
+                                          <p:stCondLst>
+                                            <p:cond delay="0"/>
+                                          </p:stCondLst>
+                                        </p:cTn>
+                                        <p:tgtEl>
+                                          <p:spTgt spid="10"/>
+                                        </p:tgtEl>
+                                        <p:attrNameLst>
+                                          <p:attrName>style.visibility</p:attrName>
+                                        </p:attrNameLst>
+                                      </p:cBhvr>
+                                      <p:to>
+                                        <p:strVal val="visible"/>
+                                      </p:to>
+                                    </p:set>
+                                  </p:childTnLst>
+                                </p:cTn>
+                              </p:par>
+                            </p:childTnLst>
+                          </p:cTn>
+                        </p:par>
+                      </p:childTnLst>
+                    </p:cTn>
+                  </p:par>
+                  <p:par>
+                    <p:cTn id="19" fill="hold">
+                      <p:stCondLst>
+                        <p:cond delay="indefinite"/>
+                      </p:stCondLst>
+                      <p:childTnLst>
+                        <p:par>
+                          <p:cTn id="20" fill="hold">
+                            <p:stCondLst>
+                              <p:cond delay="0"/>
+                            </p:stCondLst>
+                            <p:childTnLst>
+                              <p:par>
+                                <p:cTn id="21" presetID="1" presetClass="entr" presetSubtype="0" fill="hold" grpId="0" nodeType="clickEffect">
+                                  <p:stCondLst>
+                                    <p:cond delay="0"/>
+                                  </p:stCondLst>
+                                  <p:childTnLst>
+                                    <p:set>
+                                      <p:cBhvr>
+                                        <p:cTn id="22" dur="1" fill="hold">
+                                          <p:stCondLst>
+                                            <p:cond delay="0"/>
+                                          </p:stCondLst>
+                                        </p:cTn>
+                                        <p:tgtEl>
+                                          <p:spTgt spid="12"/>
+                                        </p:tgtEl>
+                                        <p:attrNameLst>
+                                          <p:attrName>style.visibility</p:attrName>
+                                        </p:attrNameLst>
+                                      </p:cBhvr>
+                                      <p:to>
+                                        <p:strVal val="visible"/>
+                                      </p:to>
+                                    </p:set>
+                                  </p:childTnLst>
+                                </p:cTn>
+                              </p:par>
+                            </p:childTnLst>
+                          </p:cTn>
+                        </p:par>
+                      </p:childTnLst>
+                    </p:cTn>
+                  </p:par>
+                  <p:par>
+                    <p:cTn id="23" fill="hold">
+                      <p:stCondLst>
+                        <p:cond delay="indefinite"/>
+                      </p:stCondLst>
+                      <p:childTnLst>
+                        <p:par>
+                          <p:cTn id="24" fill="hold">
+                            <p:stCondLst>
+                              <p:cond delay="0"/>
+                            </p:stCondLst>
+                            <p:childTnLst>
+                              <p:par>
+                                <p:cTn id="25" presetID="1" presetClass="entr" presetSubtype="0" fill="hold" grpId="0" nodeType="clickEffect">
+                                  <p:stCondLst>
+                                    <p:cond delay="0"/>
+                                  </p:stCondLst>
+                                  <p:childTnLst>
+                                    <p:set>
+                                      <p:cBhvr>
+                                        <p:cTn id="26" dur="1" fill="hold">
+                                          <p:stCondLst>
+                                            <p:cond delay="0"/>
+                                          </p:stCondLst>
+                                        </p:cTn>
+                                        <p:tgtEl>
+                                          <p:spTgt spid="13"/>
+                                        </p:tgtEl>
+                                        <p:attrNameLst>
+                                          <p:attrName>style.visibility</p:attrName>
+                                        </p:attrNameLst>
+                                      </p:cBhvr>
+                                      <p:to>
+                                        <p:strVal val="visible"/>
+                                      </p:to>
+                                    </p:set>
+                                  </p:childTnLst>
+                                </p:cTn>
+                              </p:par>
+                            </p:childTnLst>
+                          </p:cTn>
+                        </p:par>
+                      </p:childTnLst>
+                    </p:cTn>
+                  </p:par>
+                  <p:par>
+                    <p:cTn id="27" fill="hold">
+                      <p:stCondLst>
+                        <p:cond delay="indefinite"/>
+                      </p:stCondLst>
+                      <p:childTnLst>
+                        <p:par>
+                          <p:cTn id="28" fill="hold">
+                            <p:stCondLst>
+                              <p:cond delay="0"/>
+                            </p:stCondLst>
+                            <p:childTnLst>
+                              <p:par>
+                                <p:cTn id="29" presetID="1" presetClass="entr" presetSubtype="0" fill="hold" grpId="0" nodeType="clickEffect">
+                                  <p:stCondLst>
+                                    <p:cond delay="0"/>
+                                  </p:stCondLst>
+                                  <p:childTnLst>
+                                    <p:set>
+                                      <p:cBhvr>
+                                        <p:cTn id="30" dur="1" fill="hold">
+                                          <p:stCondLst>
+                                            <p:cond delay="0"/>
+                                          </p:stCondLst>
+                                        </p:cTn>
+                                        <p:tgtEl>
+                                          <p:spTgt spid="14"/>
+                                        </p:tgtEl>
+                                        <p:attrNameLst>
+                                          <p:attrName>style.visibility</p:attrName>
+                                        </p:attrNameLst>
+                                      </p:cBhvr>
+                                      <p:to>
+                                        <p:strVal val="visible"/>
+                                      </p:to>
+                                    </p:set>
+                                  </p:childTnLst>
+                                </p:cTn>
+                              </p:par>
+                            </p:childTnLst>
+                          </p:cTn>
+                        </p:par>
+                      </p:childTnLst>
+                    </p:cTn>
+                  </p:par>
+                  <p:par>
+                    <p:cTn id="31" fill="hold">
+                      <p:stCondLst>
+                        <p:cond delay="indefinite"/>
+                      </p:stCondLst>
+                      <p:childTnLst>
+                        <p:par>
+                          <p:cTn id="32" fill="hold">
+                            <p:stCondLst>
+                              <p:cond delay="0"/>
+                            </p:stCondLst>
+                            <p:childTnLst>
+                              <p:par>
+                                <p:cTn id="33" presetID="1" presetClass="entr" presetSubtype="0" fill="hold" grpId="0" nodeType="clickEffect">
+                                  <p:stCondLst>
+                                    <p:cond delay="0"/>
+                                  </p:stCondLst>
+                                  <p:childTnLst>
+                                    <p:set>
+                                      <p:cBhvr>
+                                        <p:cTn id="34" dur="1" fill="hold">
+                                          <p:stCondLst>
+                                            <p:cond delay="0"/>
+                                          </p:stCondLst>
+                                        </p:cTn>
+                                        <p:tgtEl>
+                                          <p:spTgt spid="15"/>
+                                        </p:tgtEl>
+                                        <p:attrNameLst>
+                                          <p:attrName>style.visibility</p:attrName>
+                                        </p:attrNameLst>
+                                      </p:cBhvr>
+                                      <p:to>
+                                        <p:strVal val="visible"/>
+                                      </p:to>
+                                    </p:set>
+                                  </p:childTnLst>
+                                </p:cTn>
+                              </p:par>
+                            </p:childTnLst>
+                          </p:cTn>
+                        </p:par>
+                      </p:childTnLst>
+                    </p:cTn>
+                  </p:par>
+                  <p:par>
+                    <p:cTn id="35" fill="hold">
+                      <p:stCondLst>
+                        <p:cond delay="indefinite"/>
+                      </p:stCondLst>
+                      <p:childTnLst>
+                        <p:par>
+                          <p:cTn id="36" fill="hold">
+                            <p:stCondLst>
+                              <p:cond delay="0"/>
+                            </p:stCondLst>
+                            <p:childTnLst>
+                              <p:par>
+                                <p:cTn id="37" presetID="1" presetClass="entr" presetSubtype="0" fill="hold" grpId="0" nodeType="clickEffect">
+                                  <p:stCondLst>
+                                    <p:cond delay="0"/>
+                                  </p:stCondLst>
+                                  <p:childTnLst>
+                                    <p:set>
+                                      <p:cBhvr>
+                                        <p:cTn id="38" dur="1" fill="hold">
+                                          <p:stCondLst>
+                                            <p:cond delay="0"/>
+                                          </p:stCondLst>
+                                        </p:cTn>
+                                        <p:tgtEl>
+                                          <p:spTgt spid="16"/>
+                                        </p:tgtEl>
+                                        <p:attrNameLst>
+                                          <p:attrName>style.visibility</p:attrName>
+                                        </p:attrNameLst>
+                                      </p:cBhvr>
+                                      <p:to>
+                                        <p:strVal val="visible"/>
+                                      </p:to>
+                                    </p:set>
+                                  </p:childTnLst>
+                                </p:cTn>
+                              </p:par>
+                            </p:childTnLst>
+                          </p:cTn>
+                        </p:par>
+                      </p:childTnLst>
+                    </p:cTn>
+                  </p:par>
+                  <p:par>
+                    <p:cTn id="39" fill="hold">
+                      <p:stCondLst>
+                        <p:cond delay="indefinite"/>
+                      </p:stCondLst>
+                      <p:childTnLst>
+                        <p:par>
+                          <p:cTn id="40" fill="hold">
+                            <p:stCondLst>
+                              <p:cond delay="0"/>
+                            </p:stCondLst>
+                            <p:childTnLst>
+                              <p:par>
+                                <p:cTn id="41" presetID="1" presetClass="entr" presetSubtype="0" fill="hold" grpId="0" nodeType="clickEffect">
+                                  <p:stCondLst>
+                                    <p:cond delay="0"/>
+                                  </p:stCondLst>
+                                  <p:childTnLst>
+                                    <p:set>
+                                      <p:cBhvr>
+                                        <p:cTn id="42" dur="1" fill="hold">
+                                          <p:stCondLst>
+                                            <p:cond delay="0"/>
+                                          </p:stCondLst>
+                                        </p:cTn>
+                                        <p:tgtEl>
+                                          <p:spTgt spid="18"/>
+                                        </p:tgtEl>
+                                        <p:attrNameLst>
+                                          <p:attrName>style.visibility</p:attrName>
+                                        </p:attrNameLst>
+                                      </p:cBhvr>
+                                      <p:to>
+                                        <p:strVal val="visible"/>
+                                      </p:to>
+                                    </p:set>
+                                  </p:childTnLst>
+                                </p:cTn>
+                              </p:par>
+                            </p:childTnLst>
+                          </p:cTn>
+                        </p:par>
+                      </p:childTnLst>
+                    </p:cTn>
+                  </p:par>
+                  <p:par>
+                    <p:cTn id="43" fill="hold">
+                      <p:stCondLst>
+                        <p:cond delay="indefinite"/>
+                      </p:stCondLst>
+                      <p:childTnLst>
+                        <p:par>
+                          <p:cTn id="44" fill="hold">
+                            <p:stCondLst>
+                              <p:cond delay="0"/>
+                            </p:stCondLst>
+                            <p:childTnLst>
+                              <p:par>
+                                <p:cTn id="45" presetID="1" presetClass="entr" presetSubtype="0" fill="hold" grpId="0" nodeType="clickEffect">
+                                  <p:stCondLst>
+                                    <p:cond delay="0"/>
+                                  </p:stCondLst>
+                                  <p:childTnLst>
+                                    <p:set>
+                                      <p:cBhvr>
+                                        <p:cTn id="46" dur="1" fill="hold">
+                                          <p:stCondLst>
+                                            <p:cond delay="0"/>
+                                          </p:stCondLst>
+                                        </p:cTn>
+                                        <p:tgtEl>
+                                          <p:spTgt spid="19"/>
+                                        </p:tgtEl>
+                                        <p:attrNameLst>
+                                          <p:attrName>style.visibility</p:attrName>
+                                        </p:attrNameLst>
+                                      </p:cBhvr>
+                                      <p:to>
+                                        <p:strVal val="visible"/>
+                                      </p:to>
+                                    </p:set>
+                                  </p:childTnLst>
+                                </p:cTn>
+                              </p:par>
+                            </p:childTnLst>
+                          </p:cTn>
+                        </p:par>
+                      </p:childTnLst>
+                    </p:cTn>
+                  </p:par>
+                </p:childTnLst>
+              </p:cTn>
+              <p:prevCondLst>
+                <p:cond evt="onPrev" delay="0">
+                  <p:tgtEl>
+                    <p:sldTgt/>
+                  </p:tgtEl>
+                </p:cond>
+              </p:prevCondLst>
+              <p:nextCondLst>
+                <p:cond evt="onNext" delay="0">
+                  <p:tgtEl>
+                    <p:sldTgt/>
+                  </p:tgtEl>
+                </p:cond>
+              </p:nextCondLst>
+            </p:seq>
+          </p:childTnLst>
+        </p:cTn>
+      </p:par>
+    </p:tnLst>
+    <p:bldLst>
+      <p:bldP spid="10" grpId="0"/>
+      <p:bldP spid="12" grpId="0"/>
+      <p:bldP spid="13" grpId="0"/>
+      <p:bldP spid="14" grpId="0"/>
+      <p:bldP spid="15" grpId="0"/>
+      <p:bldP spid="16" grpId="0"/>
+      <p:bldP spid="18" grpId="0"/>
+      <p:bldP spid="19" grpId="0"/>
+    </p:bldLst>
+  </p:timing>
 </p:sld>
 </file>
 
@@ -6347,7 +8923,7 @@
           <p:cNvPr id="2" name="Title 1">
             <a:extLst>
               <a:ext uri="{FF2B5EF4-FFF2-40B4-BE49-F238E27FC236}">
-                <a16:creationId xmlns:a16="http://schemas.microsoft.com/office/drawing/2014/main" id="{EFB7461A-4B6C-4DBB-B680-42FB93946C9D}"/>
+                <a16:creationId xmlns:a16="http://schemas.microsoft.com/office/drawing/2014/main" id="{1C2CCF12-69D4-4D2C-A327-38D140FB33C9}"/>
               </a:ext>
             </a:extLst>
           </p:cNvPr>
@@ -6364,47 +8940,1551 @@
           <a:lstStyle/>
           <a:p>
             <a:r>
-              <a:rPr lang="es-GT" dirty="0"/>
-              <a:t>ANÁLISIS </a:t>
+              <a:rPr lang="en-US" dirty="0" err="1"/>
+              <a:t>Cálculos</a:t>
             </a:r>
-          </a:p>
-        </p:txBody>
-      </p:sp>
-      <p:sp>
-        <p:nvSpPr>
-          <p:cNvPr id="3" name="Content Placeholder 2">
+            <a:endParaRPr lang="es-GT" dirty="0"/>
+          </a:p>
+        </p:txBody>
+      </p:sp>
+      <mc:AlternateContent xmlns:mc="http://schemas.openxmlformats.org/markup-compatibility/2006">
+        <mc:Choice xmlns:a14="http://schemas.microsoft.com/office/drawing/2010/main" Requires="a14">
+          <p:sp>
+            <p:nvSpPr>
+              <p:cNvPr id="4" name="TextBox 3">
+                <a:extLst>
+                  <a:ext uri="{FF2B5EF4-FFF2-40B4-BE49-F238E27FC236}">
+                    <a16:creationId xmlns:a16="http://schemas.microsoft.com/office/drawing/2014/main" id="{2743F6BA-F7BC-440B-8D1B-9182E389081F}"/>
+                  </a:ext>
+                </a:extLst>
+              </p:cNvPr>
+              <p:cNvSpPr txBox="1"/>
+              <p:nvPr/>
+            </p:nvSpPr>
+            <p:spPr>
+              <a:xfrm>
+                <a:off x="1042087" y="2142067"/>
+                <a:ext cx="1864293" cy="830997"/>
+              </a:xfrm>
+              <a:prstGeom prst="rect">
+                <a:avLst/>
+              </a:prstGeom>
+              <a:noFill/>
+            </p:spPr>
+            <p:txBody>
+              <a:bodyPr wrap="none" lIns="0" tIns="0" rIns="0" bIns="0" rtlCol="0">
+                <a:spAutoFit/>
+              </a:bodyPr>
+              <a:lstStyle/>
+              <a:p>
+                <a:r>
+                  <a:rPr lang="es-GT" b="0" dirty="0"/>
+                  <a:t>1/3</a:t>
+                </a:r>
+                <a14:m>
+                  <m:oMath xmlns:m="http://schemas.openxmlformats.org/officeDocument/2006/math">
+                    <m:r>
+                      <a:rPr lang="es-GT" b="0" i="1" smtClean="0">
+                        <a:latin typeface="Cambria Math" panose="02040503050406030204" pitchFamily="18" charset="0"/>
+                      </a:rPr>
+                      <m:t>∗460</m:t>
+                    </m:r>
+                    <m:r>
+                      <a:rPr lang="en-US" b="0" i="1" smtClean="0">
+                        <a:latin typeface="Cambria Math" panose="02040503050406030204" pitchFamily="18" charset="0"/>
+                      </a:rPr>
+                      <m:t>=153</m:t>
+                    </m:r>
+                  </m:oMath>
+                </a14:m>
+                <a:r>
+                  <a:rPr lang="en-US" b="0" dirty="0"/>
+                  <a:t> m</a:t>
+                </a:r>
+              </a:p>
+              <a:p>
+                <a:endParaRPr lang="en-US" dirty="0"/>
+              </a:p>
+              <a:p>
+                <a:r>
+                  <a:rPr lang="es-GT" dirty="0"/>
+                  <a:t>1/4*460 = 115 m     </a:t>
+                </a:r>
+              </a:p>
+            </p:txBody>
+          </p:sp>
+        </mc:Choice>
+        <mc:Fallback>
+          <p:sp>
+            <p:nvSpPr>
+              <p:cNvPr id="4" name="TextBox 3">
+                <a:extLst>
+                  <a:ext uri="{FF2B5EF4-FFF2-40B4-BE49-F238E27FC236}">
+                    <a16:creationId xmlns:a16="http://schemas.microsoft.com/office/drawing/2014/main" id="{2743F6BA-F7BC-440B-8D1B-9182E389081F}"/>
+                  </a:ext>
+                </a:extLst>
+              </p:cNvPr>
+              <p:cNvSpPr txBox="1">
+                <a:spLocks noRot="1" noChangeAspect="1" noMove="1" noResize="1" noEditPoints="1" noAdjustHandles="1" noChangeArrowheads="1" noChangeShapeType="1" noTextEdit="1"/>
+              </p:cNvSpPr>
+              <p:nvPr/>
+            </p:nvSpPr>
+            <p:spPr>
+              <a:xfrm>
+                <a:off x="1042087" y="2142067"/>
+                <a:ext cx="1864293" cy="830997"/>
+              </a:xfrm>
+              <a:prstGeom prst="rect">
+                <a:avLst/>
+              </a:prstGeom>
+              <a:blipFill>
+                <a:blip r:embed="rId2"/>
+                <a:stretch>
+                  <a:fillRect l="-7843" t="-9489" r="-6536" b="-16058"/>
+                </a:stretch>
+              </a:blipFill>
+            </p:spPr>
+            <p:txBody>
+              <a:bodyPr/>
+              <a:lstStyle/>
+              <a:p>
+                <a:r>
+                  <a:rPr lang="es-GT">
+                    <a:noFill/>
+                  </a:rPr>
+                  <a:t> </a:t>
+                </a:r>
+              </a:p>
+            </p:txBody>
+          </p:sp>
+        </mc:Fallback>
+      </mc:AlternateContent>
+      <p:sp>
+        <p:nvSpPr>
+          <p:cNvPr id="5" name="TextBox 4">
             <a:extLst>
               <a:ext uri="{FF2B5EF4-FFF2-40B4-BE49-F238E27FC236}">
-                <a16:creationId xmlns:a16="http://schemas.microsoft.com/office/drawing/2014/main" id="{8494951A-7752-48C7-98AE-DC707340E537}"/>
+                <a16:creationId xmlns:a16="http://schemas.microsoft.com/office/drawing/2014/main" id="{3846740A-D29D-46A1-8EF2-AFF680526CC8}"/>
               </a:ext>
             </a:extLst>
           </p:cNvPr>
-          <p:cNvSpPr>
-            <a:spLocks noGrp="1"/>
-          </p:cNvSpPr>
-          <p:nvPr>
-            <p:ph idx="1"/>
-          </p:nvPr>
-        </p:nvSpPr>
-        <p:spPr/>
-        <p:txBody>
-          <a:bodyPr/>
+          <p:cNvSpPr txBox="1"/>
+          <p:nvPr/>
+        </p:nvSpPr>
+        <p:spPr>
+          <a:xfrm>
+            <a:off x="930875" y="3429000"/>
+            <a:ext cx="2545492" cy="646331"/>
+          </a:xfrm>
+          <a:prstGeom prst="rect">
+            <a:avLst/>
+          </a:prstGeom>
+          <a:noFill/>
+        </p:spPr>
+        <p:txBody>
+          <a:bodyPr wrap="square" rtlCol="0">
+            <a:spAutoFit/>
+          </a:bodyPr>
           <a:lstStyle/>
           <a:p>
-            <a:endParaRPr lang="es-GT"/>
-          </a:p>
-        </p:txBody>
-      </p:sp>
+            <a:r>
+              <a:rPr lang="es-GT" dirty="0"/>
+              <a:t>¿QUE TAN RAPIDO TENIA QUE HABER IDO?</a:t>
+            </a:r>
+          </a:p>
+        </p:txBody>
+      </p:sp>
+      <mc:AlternateContent xmlns:mc="http://schemas.openxmlformats.org/markup-compatibility/2006">
+        <mc:Choice xmlns:a14="http://schemas.microsoft.com/office/drawing/2010/main" Requires="a14">
+          <p:sp>
+            <p:nvSpPr>
+              <p:cNvPr id="7" name="TextBox 1">
+                <a:extLst>
+                  <a:ext uri="{FF2B5EF4-FFF2-40B4-BE49-F238E27FC236}">
+                    <a16:creationId xmlns:a16="http://schemas.microsoft.com/office/drawing/2014/main" id="{BF6BB0AF-F923-47EE-B502-80F7870868FF}"/>
+                  </a:ext>
+                </a:extLst>
+              </p:cNvPr>
+              <p:cNvSpPr txBox="1"/>
+              <p:nvPr/>
+            </p:nvSpPr>
+            <p:spPr>
+              <a:xfrm>
+                <a:off x="1042087" y="4423635"/>
+                <a:ext cx="2545492" cy="368499"/>
+              </a:xfrm>
+              <a:prstGeom prst="rect">
+                <a:avLst/>
+              </a:prstGeom>
+              <a:noFill/>
+            </p:spPr>
+            <p:style>
+              <a:lnRef idx="0">
+                <a:scrgbClr r="0" g="0" b="0"/>
+              </a:lnRef>
+              <a:fillRef idx="0">
+                <a:scrgbClr r="0" g="0" b="0"/>
+              </a:fillRef>
+              <a:effectRef idx="0">
+                <a:scrgbClr r="0" g="0" b="0"/>
+              </a:effectRef>
+              <a:fontRef idx="minor">
+                <a:schemeClr val="tx1"/>
+              </a:fontRef>
+            </p:style>
+            <p:txBody>
+              <a:bodyPr wrap="square" lIns="0" tIns="0" rIns="0" bIns="0" rtlCol="0" anchor="t">
+                <a:spAutoFit/>
+              </a:bodyPr>
+              <a:lstStyle>
+                <a:lvl1pPr marL="0" indent="0">
+                  <a:defRPr sz="1100">
+                    <a:solidFill>
+                      <a:schemeClr val="tx1"/>
+                    </a:solidFill>
+                    <a:latin typeface="+mn-lt"/>
+                    <a:ea typeface="+mn-ea"/>
+                    <a:cs typeface="+mn-cs"/>
+                  </a:defRPr>
+                </a:lvl1pPr>
+                <a:lvl2pPr marL="457200" indent="0">
+                  <a:defRPr sz="1100">
+                    <a:solidFill>
+                      <a:schemeClr val="tx1"/>
+                    </a:solidFill>
+                    <a:latin typeface="+mn-lt"/>
+                    <a:ea typeface="+mn-ea"/>
+                    <a:cs typeface="+mn-cs"/>
+                  </a:defRPr>
+                </a:lvl2pPr>
+                <a:lvl3pPr marL="914400" indent="0">
+                  <a:defRPr sz="1100">
+                    <a:solidFill>
+                      <a:schemeClr val="tx1"/>
+                    </a:solidFill>
+                    <a:latin typeface="+mn-lt"/>
+                    <a:ea typeface="+mn-ea"/>
+                    <a:cs typeface="+mn-cs"/>
+                  </a:defRPr>
+                </a:lvl3pPr>
+                <a:lvl4pPr marL="1371600" indent="0">
+                  <a:defRPr sz="1100">
+                    <a:solidFill>
+                      <a:schemeClr val="tx1"/>
+                    </a:solidFill>
+                    <a:latin typeface="+mn-lt"/>
+                    <a:ea typeface="+mn-ea"/>
+                    <a:cs typeface="+mn-cs"/>
+                  </a:defRPr>
+                </a:lvl4pPr>
+                <a:lvl5pPr marL="1828800" indent="0">
+                  <a:defRPr sz="1100">
+                    <a:solidFill>
+                      <a:schemeClr val="tx1"/>
+                    </a:solidFill>
+                    <a:latin typeface="+mn-lt"/>
+                    <a:ea typeface="+mn-ea"/>
+                    <a:cs typeface="+mn-cs"/>
+                  </a:defRPr>
+                </a:lvl5pPr>
+                <a:lvl6pPr marL="2286000" indent="0">
+                  <a:defRPr sz="1100">
+                    <a:solidFill>
+                      <a:schemeClr val="tx1"/>
+                    </a:solidFill>
+                    <a:latin typeface="+mn-lt"/>
+                    <a:ea typeface="+mn-ea"/>
+                    <a:cs typeface="+mn-cs"/>
+                  </a:defRPr>
+                </a:lvl6pPr>
+                <a:lvl7pPr marL="2743200" indent="0">
+                  <a:defRPr sz="1100">
+                    <a:solidFill>
+                      <a:schemeClr val="tx1"/>
+                    </a:solidFill>
+                    <a:latin typeface="+mn-lt"/>
+                    <a:ea typeface="+mn-ea"/>
+                    <a:cs typeface="+mn-cs"/>
+                  </a:defRPr>
+                </a:lvl7pPr>
+                <a:lvl8pPr marL="3200400" indent="0">
+                  <a:defRPr sz="1100">
+                    <a:solidFill>
+                      <a:schemeClr val="tx1"/>
+                    </a:solidFill>
+                    <a:latin typeface="+mn-lt"/>
+                    <a:ea typeface="+mn-ea"/>
+                    <a:cs typeface="+mn-cs"/>
+                  </a:defRPr>
+                </a:lvl8pPr>
+                <a:lvl9pPr marL="3657600" indent="0">
+                  <a:defRPr sz="1100">
+                    <a:solidFill>
+                      <a:schemeClr val="tx1"/>
+                    </a:solidFill>
+                    <a:latin typeface="+mn-lt"/>
+                    <a:ea typeface="+mn-ea"/>
+                    <a:cs typeface="+mn-cs"/>
+                  </a:defRPr>
+                </a:lvl9pPr>
+              </a:lstStyle>
+              <a:p>
+                <a:r>
+                  <a:rPr lang="es-GT" sz="1600" i="0" dirty="0"/>
+                  <a:t>Delta x</a:t>
+                </a:r>
+                <a:r>
+                  <a:rPr lang="es-GT" sz="1600" i="0" baseline="0" dirty="0"/>
+                  <a:t> </a:t>
+                </a:r>
+                <a14:m>
+                  <m:oMath xmlns:m="http://schemas.openxmlformats.org/officeDocument/2006/math">
+                    <m:r>
+                      <a:rPr lang="es-GT" sz="1600" b="0" i="1">
+                        <a:latin typeface="Cambria Math" panose="02040503050406030204" pitchFamily="18" charset="0"/>
+                      </a:rPr>
+                      <m:t>𝑉𝑜</m:t>
+                    </m:r>
+                    <m:r>
+                      <a:rPr lang="es-GT" sz="1600" b="0" i="1">
+                        <a:latin typeface="Cambria Math" panose="02040503050406030204" pitchFamily="18" charset="0"/>
+                      </a:rPr>
+                      <m:t>∗</m:t>
+                    </m:r>
+                    <m:r>
+                      <a:rPr lang="es-GT" sz="1600" b="0" i="1">
+                        <a:latin typeface="Cambria Math" panose="02040503050406030204" pitchFamily="18" charset="0"/>
+                      </a:rPr>
+                      <m:t>𝑡</m:t>
+                    </m:r>
+                    <m:r>
+                      <a:rPr lang="es-GT" sz="1600" b="0" i="1">
+                        <a:latin typeface="Cambria Math" panose="02040503050406030204" pitchFamily="18" charset="0"/>
+                      </a:rPr>
+                      <m:t>+</m:t>
+                    </m:r>
+                    <m:d>
+                      <m:dPr>
+                        <m:ctrlPr>
+                          <a:rPr lang="en-US" sz="1600" b="0" i="1">
+                            <a:latin typeface="Cambria Math" panose="02040503050406030204" pitchFamily="18" charset="0"/>
+                          </a:rPr>
+                        </m:ctrlPr>
+                      </m:dPr>
+                      <m:e>
+                        <m:f>
+                          <m:fPr>
+                            <m:ctrlPr>
+                              <a:rPr lang="en-US" sz="1600" b="0" i="1">
+                                <a:latin typeface="Cambria Math" panose="02040503050406030204" pitchFamily="18" charset="0"/>
+                              </a:rPr>
+                            </m:ctrlPr>
+                          </m:fPr>
+                          <m:num>
+                            <m:r>
+                              <a:rPr lang="en-US" sz="1600" b="0" i="1">
+                                <a:latin typeface="Cambria Math" panose="02040503050406030204" pitchFamily="18" charset="0"/>
+                              </a:rPr>
+                              <m:t>1</m:t>
+                            </m:r>
+                          </m:num>
+                          <m:den>
+                            <m:r>
+                              <a:rPr lang="en-US" sz="1600" b="0" i="1">
+                                <a:latin typeface="Cambria Math" panose="02040503050406030204" pitchFamily="18" charset="0"/>
+                              </a:rPr>
+                              <m:t>2</m:t>
+                            </m:r>
+                          </m:den>
+                        </m:f>
+                      </m:e>
+                    </m:d>
+                    <m:r>
+                      <a:rPr lang="en-US" sz="1600" b="0" i="1">
+                        <a:latin typeface="Cambria Math" panose="02040503050406030204" pitchFamily="18" charset="0"/>
+                      </a:rPr>
+                      <m:t>𝐴𝑥𝑡</m:t>
+                    </m:r>
+                    <m:r>
+                      <a:rPr lang="en-US" sz="1600" b="0" i="1">
+                        <a:latin typeface="Cambria Math" panose="02040503050406030204" pitchFamily="18" charset="0"/>
+                      </a:rPr>
+                      <m:t>^2</m:t>
+                    </m:r>
+                  </m:oMath>
+                </a14:m>
+                <a:endParaRPr lang="es-GT" sz="1600" dirty="0"/>
+              </a:p>
+            </p:txBody>
+          </p:sp>
+        </mc:Choice>
+        <mc:Fallback>
+          <p:sp>
+            <p:nvSpPr>
+              <p:cNvPr id="7" name="TextBox 1">
+                <a:extLst>
+                  <a:ext uri="{FF2B5EF4-FFF2-40B4-BE49-F238E27FC236}">
+                    <a16:creationId xmlns:a16="http://schemas.microsoft.com/office/drawing/2014/main" id="{BF6BB0AF-F923-47EE-B502-80F7870868FF}"/>
+                  </a:ext>
+                </a:extLst>
+              </p:cNvPr>
+              <p:cNvSpPr txBox="1">
+                <a:spLocks noRot="1" noChangeAspect="1" noMove="1" noResize="1" noEditPoints="1" noAdjustHandles="1" noChangeArrowheads="1" noChangeShapeType="1" noTextEdit="1"/>
+              </p:cNvSpPr>
+              <p:nvPr/>
+            </p:nvSpPr>
+            <p:spPr>
+              <a:xfrm>
+                <a:off x="1042087" y="4423635"/>
+                <a:ext cx="2545492" cy="368499"/>
+              </a:xfrm>
+              <a:prstGeom prst="rect">
+                <a:avLst/>
+              </a:prstGeom>
+              <a:blipFill>
+                <a:blip r:embed="rId3"/>
+                <a:stretch>
+                  <a:fillRect l="-5024" b="-18333"/>
+                </a:stretch>
+              </a:blipFill>
+            </p:spPr>
+            <p:txBody>
+              <a:bodyPr/>
+              <a:lstStyle/>
+              <a:p>
+                <a:r>
+                  <a:rPr lang="es-GT">
+                    <a:noFill/>
+                  </a:rPr>
+                  <a:t> </a:t>
+                </a:r>
+              </a:p>
+            </p:txBody>
+          </p:sp>
+        </mc:Fallback>
+      </mc:AlternateContent>
+      <p:graphicFrame>
+        <p:nvGraphicFramePr>
+          <p:cNvPr id="8" name="Table 7">
+            <a:extLst>
+              <a:ext uri="{FF2B5EF4-FFF2-40B4-BE49-F238E27FC236}">
+                <a16:creationId xmlns:a16="http://schemas.microsoft.com/office/drawing/2014/main" id="{2F0258FC-3A88-48F7-9FD1-3A5C6A3F1FB7}"/>
+              </a:ext>
+            </a:extLst>
+          </p:cNvPr>
+          <p:cNvGraphicFramePr>
+            <a:graphicFrameLocks noGrp="1"/>
+          </p:cNvGraphicFramePr>
+          <p:nvPr>
+            <p:extLst>
+              <p:ext uri="{D42A27DB-BD31-4B8C-83A1-F6EECF244321}">
+                <p14:modId xmlns:p14="http://schemas.microsoft.com/office/powerpoint/2010/main" val="2625173100"/>
+              </p:ext>
+            </p:extLst>
+          </p:nvPr>
+        </p:nvGraphicFramePr>
+        <p:xfrm>
+          <a:off x="1042087" y="5057464"/>
+          <a:ext cx="1219200" cy="762000"/>
+        </p:xfrm>
+        <a:graphic>
+          <a:graphicData uri="http://schemas.openxmlformats.org/drawingml/2006/table">
+            <a:tbl>
+              <a:tblPr>
+                <a:tableStyleId>{5C22544A-7EE6-4342-B048-85BDC9FD1C3A}</a:tableStyleId>
+              </a:tblPr>
+              <a:tblGrid>
+                <a:gridCol w="609600">
+                  <a:extLst>
+                    <a:ext uri="{9D8B030D-6E8A-4147-A177-3AD203B41FA5}">
+                      <a16:colId xmlns:a16="http://schemas.microsoft.com/office/drawing/2014/main" val="1114482745"/>
+                    </a:ext>
+                  </a:extLst>
+                </a:gridCol>
+                <a:gridCol w="609600">
+                  <a:extLst>
+                    <a:ext uri="{9D8B030D-6E8A-4147-A177-3AD203B41FA5}">
+                      <a16:colId xmlns:a16="http://schemas.microsoft.com/office/drawing/2014/main" val="2923275431"/>
+                    </a:ext>
+                  </a:extLst>
+                </a:gridCol>
+              </a:tblGrid>
+              <a:tr h="190500">
+                <a:tc>
+                  <a:txBody>
+                    <a:bodyPr/>
+                    <a:lstStyle/>
+                    <a:p>
+                      <a:pPr algn="l" fontAlgn="b"/>
+                      <a:r>
+                        <a:rPr lang="es-GT" sz="1100" u="none" strike="noStrike">
+                          <a:effectLst/>
+                        </a:rPr>
+                        <a:t>Delta x </a:t>
+                      </a:r>
+                      <a:endParaRPr lang="es-GT" sz="1100" b="0" i="0" u="none" strike="noStrike">
+                        <a:solidFill>
+                          <a:srgbClr val="000000"/>
+                        </a:solidFill>
+                        <a:effectLst/>
+                        <a:latin typeface="Calibri" panose="020F0502020204030204" pitchFamily="34" charset="0"/>
+                      </a:endParaRPr>
+                    </a:p>
+                  </a:txBody>
+                  <a:tcPr marL="9525" marR="9525" marT="9525" marB="0" anchor="b"/>
+                </a:tc>
+                <a:tc>
+                  <a:txBody>
+                    <a:bodyPr/>
+                    <a:lstStyle/>
+                    <a:p>
+                      <a:pPr algn="l" fontAlgn="b"/>
+                      <a:r>
+                        <a:rPr lang="es-GT" sz="1100" u="none" strike="noStrike">
+                          <a:effectLst/>
+                        </a:rPr>
+                        <a:t>153 m</a:t>
+                      </a:r>
+                      <a:endParaRPr lang="es-GT" sz="1100" b="0" i="0" u="none" strike="noStrike">
+                        <a:solidFill>
+                          <a:srgbClr val="000000"/>
+                        </a:solidFill>
+                        <a:effectLst/>
+                        <a:latin typeface="Calibri" panose="020F0502020204030204" pitchFamily="34" charset="0"/>
+                      </a:endParaRPr>
+                    </a:p>
+                  </a:txBody>
+                  <a:tcPr marL="9525" marR="9525" marT="9525" marB="0" anchor="b"/>
+                </a:tc>
+                <a:extLst>
+                  <a:ext uri="{0D108BD9-81ED-4DB2-BD59-A6C34878D82A}">
+                    <a16:rowId xmlns:a16="http://schemas.microsoft.com/office/drawing/2014/main" val="2871643678"/>
+                  </a:ext>
+                </a:extLst>
+              </a:tr>
+              <a:tr h="190500">
+                <a:tc>
+                  <a:txBody>
+                    <a:bodyPr/>
+                    <a:lstStyle/>
+                    <a:p>
+                      <a:pPr algn="l" fontAlgn="b"/>
+                      <a:r>
+                        <a:rPr lang="es-GT" sz="1100" u="none" strike="noStrike">
+                          <a:effectLst/>
+                        </a:rPr>
+                        <a:t>Ax</a:t>
+                      </a:r>
+                      <a:endParaRPr lang="es-GT" sz="1100" b="0" i="0" u="none" strike="noStrike">
+                        <a:solidFill>
+                          <a:srgbClr val="000000"/>
+                        </a:solidFill>
+                        <a:effectLst/>
+                        <a:latin typeface="Calibri" panose="020F0502020204030204" pitchFamily="34" charset="0"/>
+                      </a:endParaRPr>
+                    </a:p>
+                  </a:txBody>
+                  <a:tcPr marL="9525" marR="9525" marT="9525" marB="0" anchor="b"/>
+                </a:tc>
+                <a:tc>
+                  <a:txBody>
+                    <a:bodyPr/>
+                    <a:lstStyle/>
+                    <a:p>
+                      <a:pPr algn="r" fontAlgn="b"/>
+                      <a:r>
+                        <a:rPr lang="es-GT" sz="1100" u="none" strike="noStrike" dirty="0">
+                          <a:effectLst/>
+                        </a:rPr>
+                        <a:t>0</a:t>
+                      </a:r>
+                      <a:endParaRPr lang="es-GT" sz="1100" b="0" i="0" u="none" strike="noStrike" dirty="0">
+                        <a:solidFill>
+                          <a:srgbClr val="000000"/>
+                        </a:solidFill>
+                        <a:effectLst/>
+                        <a:latin typeface="Calibri" panose="020F0502020204030204" pitchFamily="34" charset="0"/>
+                      </a:endParaRPr>
+                    </a:p>
+                  </a:txBody>
+                  <a:tcPr marL="9525" marR="9525" marT="9525" marB="0" anchor="b"/>
+                </a:tc>
+                <a:extLst>
+                  <a:ext uri="{0D108BD9-81ED-4DB2-BD59-A6C34878D82A}">
+                    <a16:rowId xmlns:a16="http://schemas.microsoft.com/office/drawing/2014/main" val="1258162853"/>
+                  </a:ext>
+                </a:extLst>
+              </a:tr>
+              <a:tr h="190500">
+                <a:tc>
+                  <a:txBody>
+                    <a:bodyPr/>
+                    <a:lstStyle/>
+                    <a:p>
+                      <a:pPr algn="l" fontAlgn="b"/>
+                      <a:r>
+                        <a:rPr lang="es-GT" sz="1100" u="none" strike="noStrike">
+                          <a:effectLst/>
+                        </a:rPr>
+                        <a:t>T</a:t>
+                      </a:r>
+                      <a:endParaRPr lang="es-GT" sz="1100" b="0" i="0" u="none" strike="noStrike">
+                        <a:solidFill>
+                          <a:srgbClr val="000000"/>
+                        </a:solidFill>
+                        <a:effectLst/>
+                        <a:latin typeface="Calibri" panose="020F0502020204030204" pitchFamily="34" charset="0"/>
+                      </a:endParaRPr>
+                    </a:p>
+                  </a:txBody>
+                  <a:tcPr marL="9525" marR="9525" marT="9525" marB="0" anchor="b"/>
+                </a:tc>
+                <a:tc>
+                  <a:txBody>
+                    <a:bodyPr/>
+                    <a:lstStyle/>
+                    <a:p>
+                      <a:pPr algn="l" fontAlgn="b"/>
+                      <a:r>
+                        <a:rPr lang="es-GT" sz="1100" u="none" strike="noStrike">
+                          <a:effectLst/>
+                        </a:rPr>
+                        <a:t>7s</a:t>
+                      </a:r>
+                      <a:endParaRPr lang="es-GT" sz="1100" b="0" i="0" u="none" strike="noStrike">
+                        <a:solidFill>
+                          <a:srgbClr val="000000"/>
+                        </a:solidFill>
+                        <a:effectLst/>
+                        <a:latin typeface="Calibri" panose="020F0502020204030204" pitchFamily="34" charset="0"/>
+                      </a:endParaRPr>
+                    </a:p>
+                  </a:txBody>
+                  <a:tcPr marL="9525" marR="9525" marT="9525" marB="0" anchor="b"/>
+                </a:tc>
+                <a:extLst>
+                  <a:ext uri="{0D108BD9-81ED-4DB2-BD59-A6C34878D82A}">
+                    <a16:rowId xmlns:a16="http://schemas.microsoft.com/office/drawing/2014/main" val="1249962292"/>
+                  </a:ext>
+                </a:extLst>
+              </a:tr>
+              <a:tr h="190500">
+                <a:tc>
+                  <a:txBody>
+                    <a:bodyPr/>
+                    <a:lstStyle/>
+                    <a:p>
+                      <a:pPr algn="l" fontAlgn="b"/>
+                      <a:r>
+                        <a:rPr lang="es-GT" sz="1100" u="none" strike="noStrike">
+                          <a:effectLst/>
+                        </a:rPr>
+                        <a:t>Angulo</a:t>
+                      </a:r>
+                      <a:endParaRPr lang="es-GT" sz="1100" b="0" i="0" u="none" strike="noStrike">
+                        <a:solidFill>
+                          <a:srgbClr val="000000"/>
+                        </a:solidFill>
+                        <a:effectLst/>
+                        <a:latin typeface="Calibri" panose="020F0502020204030204" pitchFamily="34" charset="0"/>
+                      </a:endParaRPr>
+                    </a:p>
+                  </a:txBody>
+                  <a:tcPr marL="9525" marR="9525" marT="9525" marB="0" anchor="b"/>
+                </a:tc>
+                <a:tc>
+                  <a:txBody>
+                    <a:bodyPr/>
+                    <a:lstStyle/>
+                    <a:p>
+                      <a:pPr algn="r" fontAlgn="b"/>
+                      <a:r>
+                        <a:rPr lang="es-GT" sz="1100" u="none" strike="noStrike" dirty="0">
+                          <a:effectLst/>
+                        </a:rPr>
+                        <a:t>26.5</a:t>
+                      </a:r>
+                      <a:endParaRPr lang="es-GT" sz="1100" b="0" i="0" u="none" strike="noStrike" dirty="0">
+                        <a:solidFill>
+                          <a:srgbClr val="000000"/>
+                        </a:solidFill>
+                        <a:effectLst/>
+                        <a:latin typeface="Calibri" panose="020F0502020204030204" pitchFamily="34" charset="0"/>
+                      </a:endParaRPr>
+                    </a:p>
+                  </a:txBody>
+                  <a:tcPr marL="9525" marR="9525" marT="9525" marB="0" anchor="b"/>
+                </a:tc>
+                <a:extLst>
+                  <a:ext uri="{0D108BD9-81ED-4DB2-BD59-A6C34878D82A}">
+                    <a16:rowId xmlns:a16="http://schemas.microsoft.com/office/drawing/2014/main" val="1202299077"/>
+                  </a:ext>
+                </a:extLst>
+              </a:tr>
+            </a:tbl>
+          </a:graphicData>
+        </a:graphic>
+      </p:graphicFrame>
+      <mc:AlternateContent xmlns:mc="http://schemas.openxmlformats.org/markup-compatibility/2006">
+        <mc:Choice xmlns:a14="http://schemas.microsoft.com/office/drawing/2010/main" Requires="a14">
+          <p:sp>
+            <p:nvSpPr>
+              <p:cNvPr id="9" name="TextBox 8">
+                <a:extLst>
+                  <a:ext uri="{FF2B5EF4-FFF2-40B4-BE49-F238E27FC236}">
+                    <a16:creationId xmlns:a16="http://schemas.microsoft.com/office/drawing/2014/main" id="{2CF6EC3B-B541-4990-A5F1-E3E8B896A62B}"/>
+                  </a:ext>
+                </a:extLst>
+              </p:cNvPr>
+              <p:cNvSpPr txBox="1"/>
+              <p:nvPr/>
+            </p:nvSpPr>
+            <p:spPr>
+              <a:xfrm>
+                <a:off x="4707924" y="5022965"/>
+                <a:ext cx="1819281" cy="276999"/>
+              </a:xfrm>
+              <a:prstGeom prst="rect">
+                <a:avLst/>
+              </a:prstGeom>
+              <a:noFill/>
+            </p:spPr>
+            <p:txBody>
+              <a:bodyPr wrap="none" lIns="0" tIns="0" rIns="0" bIns="0" rtlCol="0">
+                <a:spAutoFit/>
+              </a:bodyPr>
+              <a:lstStyle/>
+              <a:p>
+                <a14:m>
+                  <m:oMathPara xmlns:m="http://schemas.openxmlformats.org/officeDocument/2006/math">
+                    <m:oMathParaPr>
+                      <m:jc m:val="centerGroup"/>
+                    </m:oMathParaPr>
+                    <m:oMath xmlns:m="http://schemas.openxmlformats.org/officeDocument/2006/math">
+                      <m:r>
+                        <a:rPr lang="en-US" b="0" i="1" smtClean="0">
+                          <a:latin typeface="Cambria Math" panose="02040503050406030204" pitchFamily="18" charset="0"/>
+                        </a:rPr>
+                        <m:t>𝑉𝑜</m:t>
+                      </m:r>
+                      <m:r>
+                        <a:rPr lang="en-US" b="0" i="1" smtClean="0">
+                          <a:latin typeface="Cambria Math" panose="02040503050406030204" pitchFamily="18" charset="0"/>
+                        </a:rPr>
+                        <m:t>=</m:t>
+                      </m:r>
+                      <m:r>
+                        <a:rPr lang="en-US" b="0" i="1" smtClean="0">
+                          <a:latin typeface="Cambria Math" panose="02040503050406030204" pitchFamily="18" charset="0"/>
+                        </a:rPr>
+                        <m:t>𝑥</m:t>
+                      </m:r>
+                      <m:r>
+                        <a:rPr lang="en-US" b="0" i="1" smtClean="0">
+                          <a:latin typeface="Cambria Math" panose="02040503050406030204" pitchFamily="18" charset="0"/>
+                        </a:rPr>
+                        <m:t>/</m:t>
+                      </m:r>
+                      <m:d>
+                        <m:dPr>
+                          <m:ctrlPr>
+                            <a:rPr lang="en-US" b="0" i="1" smtClean="0">
+                              <a:latin typeface="Cambria Math" panose="02040503050406030204" pitchFamily="18" charset="0"/>
+                            </a:rPr>
+                          </m:ctrlPr>
+                        </m:dPr>
+                        <m:e>
+                          <m:r>
+                            <a:rPr lang="en-US" b="0" i="1" smtClean="0">
+                              <a:latin typeface="Cambria Math" panose="02040503050406030204" pitchFamily="18" charset="0"/>
+                            </a:rPr>
+                            <m:t>𝑐𝑜𝑠𝑥</m:t>
+                          </m:r>
+                        </m:e>
+                      </m:d>
+                      <m:r>
+                        <a:rPr lang="en-US" b="0" i="1" smtClean="0">
+                          <a:latin typeface="Cambria Math" panose="02040503050406030204" pitchFamily="18" charset="0"/>
+                        </a:rPr>
+                        <m:t>(</m:t>
+                      </m:r>
+                      <m:r>
+                        <a:rPr lang="en-US" b="0" i="1" smtClean="0">
+                          <a:latin typeface="Cambria Math" panose="02040503050406030204" pitchFamily="18" charset="0"/>
+                        </a:rPr>
+                        <m:t>𝑡</m:t>
+                      </m:r>
+                      <m:r>
+                        <a:rPr lang="en-US" b="0" i="1" smtClean="0">
+                          <a:latin typeface="Cambria Math" panose="02040503050406030204" pitchFamily="18" charset="0"/>
+                        </a:rPr>
+                        <m:t>)</m:t>
+                      </m:r>
+                    </m:oMath>
+                  </m:oMathPara>
+                </a14:m>
+                <a:endParaRPr lang="es-GT" dirty="0"/>
+              </a:p>
+            </p:txBody>
+          </p:sp>
+        </mc:Choice>
+        <mc:Fallback>
+          <p:sp>
+            <p:nvSpPr>
+              <p:cNvPr id="9" name="TextBox 8">
+                <a:extLst>
+                  <a:ext uri="{FF2B5EF4-FFF2-40B4-BE49-F238E27FC236}">
+                    <a16:creationId xmlns:a16="http://schemas.microsoft.com/office/drawing/2014/main" id="{2CF6EC3B-B541-4990-A5F1-E3E8B896A62B}"/>
+                  </a:ext>
+                </a:extLst>
+              </p:cNvPr>
+              <p:cNvSpPr txBox="1">
+                <a:spLocks noRot="1" noChangeAspect="1" noMove="1" noResize="1" noEditPoints="1" noAdjustHandles="1" noChangeArrowheads="1" noChangeShapeType="1" noTextEdit="1"/>
+              </p:cNvSpPr>
+              <p:nvPr/>
+            </p:nvSpPr>
+            <p:spPr>
+              <a:xfrm>
+                <a:off x="4707924" y="5022965"/>
+                <a:ext cx="1819281" cy="276999"/>
+              </a:xfrm>
+              <a:prstGeom prst="rect">
+                <a:avLst/>
+              </a:prstGeom>
+              <a:blipFill>
+                <a:blip r:embed="rId4"/>
+                <a:stretch>
+                  <a:fillRect l="-2341" t="-2222" r="-4013" b="-35556"/>
+                </a:stretch>
+              </a:blipFill>
+            </p:spPr>
+            <p:txBody>
+              <a:bodyPr/>
+              <a:lstStyle/>
+              <a:p>
+                <a:r>
+                  <a:rPr lang="es-GT">
+                    <a:noFill/>
+                  </a:rPr>
+                  <a:t> </a:t>
+                </a:r>
+              </a:p>
+            </p:txBody>
+          </p:sp>
+        </mc:Fallback>
+      </mc:AlternateContent>
+      <mc:AlternateContent xmlns:mc="http://schemas.openxmlformats.org/markup-compatibility/2006">
+        <mc:Choice xmlns:a14="http://schemas.microsoft.com/office/drawing/2010/main" Requires="a14">
+          <p:sp>
+            <p:nvSpPr>
+              <p:cNvPr id="10" name="TextBox 9">
+                <a:extLst>
+                  <a:ext uri="{FF2B5EF4-FFF2-40B4-BE49-F238E27FC236}">
+                    <a16:creationId xmlns:a16="http://schemas.microsoft.com/office/drawing/2014/main" id="{FE2EC8D3-A805-4232-8005-9776C8416018}"/>
+                  </a:ext>
+                </a:extLst>
+              </p:cNvPr>
+              <p:cNvSpPr txBox="1"/>
+              <p:nvPr/>
+            </p:nvSpPr>
+            <p:spPr>
+              <a:xfrm>
+                <a:off x="4036541" y="5022965"/>
+                <a:ext cx="254855" cy="276999"/>
+              </a:xfrm>
+              <a:prstGeom prst="rect">
+                <a:avLst/>
+              </a:prstGeom>
+              <a:noFill/>
+            </p:spPr>
+            <p:txBody>
+              <a:bodyPr wrap="square" lIns="0" tIns="0" rIns="0" bIns="0" rtlCol="0">
+                <a:spAutoFit/>
+              </a:bodyPr>
+              <a:lstStyle/>
+              <a:p>
+                <a14:m>
+                  <m:oMathPara xmlns:m="http://schemas.openxmlformats.org/officeDocument/2006/math">
+                    <m:oMathParaPr>
+                      <m:jc m:val="centerGroup"/>
+                    </m:oMathParaPr>
+                    <m:oMath xmlns:m="http://schemas.openxmlformats.org/officeDocument/2006/math">
+                      <m:r>
+                        <a:rPr lang="en-US" b="0" i="1" smtClean="0">
+                          <a:latin typeface="Cambria Math" panose="02040503050406030204" pitchFamily="18" charset="0"/>
+                        </a:rPr>
+                        <m:t>=</m:t>
+                      </m:r>
+                    </m:oMath>
+                  </m:oMathPara>
+                </a14:m>
+                <a:endParaRPr lang="es-GT" dirty="0"/>
+              </a:p>
+            </p:txBody>
+          </p:sp>
+        </mc:Choice>
+        <mc:Fallback>
+          <p:sp>
+            <p:nvSpPr>
+              <p:cNvPr id="10" name="TextBox 9">
+                <a:extLst>
+                  <a:ext uri="{FF2B5EF4-FFF2-40B4-BE49-F238E27FC236}">
+                    <a16:creationId xmlns:a16="http://schemas.microsoft.com/office/drawing/2014/main" id="{FE2EC8D3-A805-4232-8005-9776C8416018}"/>
+                  </a:ext>
+                </a:extLst>
+              </p:cNvPr>
+              <p:cNvSpPr txBox="1">
+                <a:spLocks noRot="1" noChangeAspect="1" noMove="1" noResize="1" noEditPoints="1" noAdjustHandles="1" noChangeArrowheads="1" noChangeShapeType="1" noTextEdit="1"/>
+              </p:cNvSpPr>
+              <p:nvPr/>
+            </p:nvSpPr>
+            <p:spPr>
+              <a:xfrm>
+                <a:off x="4036541" y="5022965"/>
+                <a:ext cx="254855" cy="276999"/>
+              </a:xfrm>
+              <a:prstGeom prst="rect">
+                <a:avLst/>
+              </a:prstGeom>
+              <a:blipFill>
+                <a:blip r:embed="rId5"/>
+                <a:stretch>
+                  <a:fillRect l="-2381" r="-4762"/>
+                </a:stretch>
+              </a:blipFill>
+            </p:spPr>
+            <p:txBody>
+              <a:bodyPr/>
+              <a:lstStyle/>
+              <a:p>
+                <a:r>
+                  <a:rPr lang="es-GT">
+                    <a:noFill/>
+                  </a:rPr>
+                  <a:t> </a:t>
+                </a:r>
+              </a:p>
+            </p:txBody>
+          </p:sp>
+        </mc:Fallback>
+      </mc:AlternateContent>
+      <mc:AlternateContent xmlns:mc="http://schemas.openxmlformats.org/markup-compatibility/2006">
+        <mc:Choice xmlns:a14="http://schemas.microsoft.com/office/drawing/2010/main" Requires="a14">
+          <p:sp>
+            <p:nvSpPr>
+              <p:cNvPr id="11" name="TextBox 10">
+                <a:extLst>
+                  <a:ext uri="{FF2B5EF4-FFF2-40B4-BE49-F238E27FC236}">
+                    <a16:creationId xmlns:a16="http://schemas.microsoft.com/office/drawing/2014/main" id="{299CBA0D-A72D-4F3D-AA74-6D5D0054A357}"/>
+                  </a:ext>
+                </a:extLst>
+              </p:cNvPr>
+              <p:cNvSpPr txBox="1"/>
+              <p:nvPr/>
+            </p:nvSpPr>
+            <p:spPr>
+              <a:xfrm>
+                <a:off x="6560674" y="5003401"/>
+                <a:ext cx="383059" cy="276999"/>
+              </a:xfrm>
+              <a:prstGeom prst="rect">
+                <a:avLst/>
+              </a:prstGeom>
+              <a:noFill/>
+            </p:spPr>
+            <p:txBody>
+              <a:bodyPr wrap="square" lIns="0" tIns="0" rIns="0" bIns="0" rtlCol="0">
+                <a:spAutoFit/>
+              </a:bodyPr>
+              <a:lstStyle/>
+              <a:p>
+                <a14:m>
+                  <m:oMathPara xmlns:m="http://schemas.openxmlformats.org/officeDocument/2006/math">
+                    <m:oMathParaPr>
+                      <m:jc m:val="centerGroup"/>
+                    </m:oMathParaPr>
+                    <m:oMath xmlns:m="http://schemas.openxmlformats.org/officeDocument/2006/math">
+                      <m:r>
+                        <a:rPr lang="en-US" b="0" i="1" smtClean="0">
+                          <a:latin typeface="Cambria Math" panose="02040503050406030204" pitchFamily="18" charset="0"/>
+                        </a:rPr>
+                        <m:t>=</m:t>
+                      </m:r>
+                    </m:oMath>
+                  </m:oMathPara>
+                </a14:m>
+                <a:endParaRPr lang="es-GT" dirty="0"/>
+              </a:p>
+            </p:txBody>
+          </p:sp>
+        </mc:Choice>
+        <mc:Fallback>
+          <p:sp>
+            <p:nvSpPr>
+              <p:cNvPr id="11" name="TextBox 10">
+                <a:extLst>
+                  <a:ext uri="{FF2B5EF4-FFF2-40B4-BE49-F238E27FC236}">
+                    <a16:creationId xmlns:a16="http://schemas.microsoft.com/office/drawing/2014/main" id="{299CBA0D-A72D-4F3D-AA74-6D5D0054A357}"/>
+                  </a:ext>
+                </a:extLst>
+              </p:cNvPr>
+              <p:cNvSpPr txBox="1">
+                <a:spLocks noRot="1" noChangeAspect="1" noMove="1" noResize="1" noEditPoints="1" noAdjustHandles="1" noChangeArrowheads="1" noChangeShapeType="1" noTextEdit="1"/>
+              </p:cNvSpPr>
+              <p:nvPr/>
+            </p:nvSpPr>
+            <p:spPr>
+              <a:xfrm>
+                <a:off x="6560674" y="5003401"/>
+                <a:ext cx="383059" cy="276999"/>
+              </a:xfrm>
+              <a:prstGeom prst="rect">
+                <a:avLst/>
+              </a:prstGeom>
+              <a:blipFill>
+                <a:blip r:embed="rId6"/>
+                <a:stretch>
+                  <a:fillRect/>
+                </a:stretch>
+              </a:blipFill>
+            </p:spPr>
+            <p:txBody>
+              <a:bodyPr/>
+              <a:lstStyle/>
+              <a:p>
+                <a:r>
+                  <a:rPr lang="es-GT">
+                    <a:noFill/>
+                  </a:rPr>
+                  <a:t> </a:t>
+                </a:r>
+              </a:p>
+            </p:txBody>
+          </p:sp>
+        </mc:Fallback>
+      </mc:AlternateContent>
+      <mc:AlternateContent xmlns:mc="http://schemas.openxmlformats.org/markup-compatibility/2006">
+        <mc:Choice xmlns:a14="http://schemas.microsoft.com/office/drawing/2010/main" Requires="a14">
+          <p:sp>
+            <p:nvSpPr>
+              <p:cNvPr id="12" name="TextBox 11">
+                <a:extLst>
+                  <a:ext uri="{FF2B5EF4-FFF2-40B4-BE49-F238E27FC236}">
+                    <a16:creationId xmlns:a16="http://schemas.microsoft.com/office/drawing/2014/main" id="{2A5D5E20-423C-4DDE-A5A6-BFF044B89EAC}"/>
+                  </a:ext>
+                </a:extLst>
+              </p:cNvPr>
+              <p:cNvSpPr txBox="1"/>
+              <p:nvPr/>
+            </p:nvSpPr>
+            <p:spPr>
+              <a:xfrm>
+                <a:off x="6977202" y="5003400"/>
+                <a:ext cx="960904" cy="276999"/>
+              </a:xfrm>
+              <a:prstGeom prst="rect">
+                <a:avLst/>
+              </a:prstGeom>
+              <a:noFill/>
+            </p:spPr>
+            <p:txBody>
+              <a:bodyPr wrap="none" lIns="0" tIns="0" rIns="0" bIns="0" rtlCol="0">
+                <a:spAutoFit/>
+              </a:bodyPr>
+              <a:lstStyle/>
+              <a:p>
+                <a14:m>
+                  <m:oMathPara xmlns:m="http://schemas.openxmlformats.org/officeDocument/2006/math">
+                    <m:oMathParaPr>
+                      <m:jc m:val="centerGroup"/>
+                    </m:oMathParaPr>
+                    <m:oMath xmlns:m="http://schemas.openxmlformats.org/officeDocument/2006/math">
+                      <m:r>
+                        <a:rPr lang="en-US" b="0" i="1" smtClean="0">
+                          <a:latin typeface="Cambria Math" panose="02040503050406030204" pitchFamily="18" charset="0"/>
+                        </a:rPr>
+                        <m:t>24.5 </m:t>
+                      </m:r>
+                      <m:r>
+                        <a:rPr lang="en-US" b="0" i="1" smtClean="0">
+                          <a:latin typeface="Cambria Math" panose="02040503050406030204" pitchFamily="18" charset="0"/>
+                        </a:rPr>
+                        <m:t>𝑚</m:t>
+                      </m:r>
+                      <m:r>
+                        <a:rPr lang="en-US" b="0" i="1" smtClean="0">
+                          <a:latin typeface="Cambria Math" panose="02040503050406030204" pitchFamily="18" charset="0"/>
+                        </a:rPr>
+                        <m:t>/</m:t>
+                      </m:r>
+                      <m:r>
+                        <a:rPr lang="en-US" b="0" i="1" smtClean="0">
+                          <a:latin typeface="Cambria Math" panose="02040503050406030204" pitchFamily="18" charset="0"/>
+                        </a:rPr>
+                        <m:t>𝑠</m:t>
+                      </m:r>
+                    </m:oMath>
+                  </m:oMathPara>
+                </a14:m>
+                <a:endParaRPr lang="es-GT" dirty="0"/>
+              </a:p>
+            </p:txBody>
+          </p:sp>
+        </mc:Choice>
+        <mc:Fallback>
+          <p:sp>
+            <p:nvSpPr>
+              <p:cNvPr id="12" name="TextBox 11">
+                <a:extLst>
+                  <a:ext uri="{FF2B5EF4-FFF2-40B4-BE49-F238E27FC236}">
+                    <a16:creationId xmlns:a16="http://schemas.microsoft.com/office/drawing/2014/main" id="{2A5D5E20-423C-4DDE-A5A6-BFF044B89EAC}"/>
+                  </a:ext>
+                </a:extLst>
+              </p:cNvPr>
+              <p:cNvSpPr txBox="1">
+                <a:spLocks noRot="1" noChangeAspect="1" noMove="1" noResize="1" noEditPoints="1" noAdjustHandles="1" noChangeArrowheads="1" noChangeShapeType="1" noTextEdit="1"/>
+              </p:cNvSpPr>
+              <p:nvPr/>
+            </p:nvSpPr>
+            <p:spPr>
+              <a:xfrm>
+                <a:off x="6977202" y="5003400"/>
+                <a:ext cx="960904" cy="276999"/>
+              </a:xfrm>
+              <a:prstGeom prst="rect">
+                <a:avLst/>
+              </a:prstGeom>
+              <a:blipFill>
+                <a:blip r:embed="rId7"/>
+                <a:stretch>
+                  <a:fillRect l="-5732" t="-2222" r="-3822" b="-35556"/>
+                </a:stretch>
+              </a:blipFill>
+            </p:spPr>
+            <p:txBody>
+              <a:bodyPr/>
+              <a:lstStyle/>
+              <a:p>
+                <a:r>
+                  <a:rPr lang="es-GT">
+                    <a:noFill/>
+                  </a:rPr>
+                  <a:t> </a:t>
+                </a:r>
+              </a:p>
+            </p:txBody>
+          </p:sp>
+        </mc:Fallback>
+      </mc:AlternateContent>
     </p:spTree>
     <p:extLst>
       <p:ext uri="{BB962C8B-B14F-4D97-AF65-F5344CB8AC3E}">
-        <p14:creationId xmlns:p14="http://schemas.microsoft.com/office/powerpoint/2010/main" val="3080640231"/>
+        <p14:creationId xmlns:p14="http://schemas.microsoft.com/office/powerpoint/2010/main" val="249796112"/>
       </p:ext>
     </p:extLst>
   </p:cSld>
   <p:clrMapOvr>
     <a:masterClrMapping/>
   </p:clrMapOvr>
+  <p:timing>
+    <p:tnLst>
+      <p:par>
+        <p:cTn id="1" dur="indefinite" restart="never" nodeType="tmRoot">
+          <p:childTnLst>
+            <p:seq concurrent="1" nextAc="seek">
+              <p:cTn id="2" dur="indefinite" nodeType="mainSeq">
+                <p:childTnLst>
+                  <p:par>
+                    <p:cTn id="3" fill="hold">
+                      <p:stCondLst>
+                        <p:cond delay="indefinite"/>
+                      </p:stCondLst>
+                      <p:childTnLst>
+                        <p:par>
+                          <p:cTn id="4" fill="hold">
+                            <p:stCondLst>
+                              <p:cond delay="0"/>
+                            </p:stCondLst>
+                            <p:childTnLst>
+                              <p:par>
+                                <p:cTn id="5" presetID="1" presetClass="entr" presetSubtype="0" fill="hold" grpId="0" nodeType="clickEffect">
+                                  <p:stCondLst>
+                                    <p:cond delay="0"/>
+                                  </p:stCondLst>
+                                  <p:childTnLst>
+                                    <p:set>
+                                      <p:cBhvr>
+                                        <p:cTn id="6" dur="1" fill="hold">
+                                          <p:stCondLst>
+                                            <p:cond delay="0"/>
+                                          </p:stCondLst>
+                                        </p:cTn>
+                                        <p:tgtEl>
+                                          <p:spTgt spid="4"/>
+                                        </p:tgtEl>
+                                        <p:attrNameLst>
+                                          <p:attrName>style.visibility</p:attrName>
+                                        </p:attrNameLst>
+                                      </p:cBhvr>
+                                      <p:to>
+                                        <p:strVal val="visible"/>
+                                      </p:to>
+                                    </p:set>
+                                  </p:childTnLst>
+                                </p:cTn>
+                              </p:par>
+                            </p:childTnLst>
+                          </p:cTn>
+                        </p:par>
+                      </p:childTnLst>
+                    </p:cTn>
+                  </p:par>
+                  <p:par>
+                    <p:cTn id="7" fill="hold">
+                      <p:stCondLst>
+                        <p:cond delay="indefinite"/>
+                      </p:stCondLst>
+                      <p:childTnLst>
+                        <p:par>
+                          <p:cTn id="8" fill="hold">
+                            <p:stCondLst>
+                              <p:cond delay="0"/>
+                            </p:stCondLst>
+                            <p:childTnLst>
+                              <p:par>
+                                <p:cTn id="9" presetID="1" presetClass="entr" presetSubtype="0" fill="hold" grpId="0" nodeType="clickEffect">
+                                  <p:stCondLst>
+                                    <p:cond delay="0"/>
+                                  </p:stCondLst>
+                                  <p:childTnLst>
+                                    <p:set>
+                                      <p:cBhvr>
+                                        <p:cTn id="10" dur="1" fill="hold">
+                                          <p:stCondLst>
+                                            <p:cond delay="0"/>
+                                          </p:stCondLst>
+                                        </p:cTn>
+                                        <p:tgtEl>
+                                          <p:spTgt spid="5"/>
+                                        </p:tgtEl>
+                                        <p:attrNameLst>
+                                          <p:attrName>style.visibility</p:attrName>
+                                        </p:attrNameLst>
+                                      </p:cBhvr>
+                                      <p:to>
+                                        <p:strVal val="visible"/>
+                                      </p:to>
+                                    </p:set>
+                                  </p:childTnLst>
+                                </p:cTn>
+                              </p:par>
+                            </p:childTnLst>
+                          </p:cTn>
+                        </p:par>
+                      </p:childTnLst>
+                    </p:cTn>
+                  </p:par>
+                  <p:par>
+                    <p:cTn id="11" fill="hold">
+                      <p:stCondLst>
+                        <p:cond delay="indefinite"/>
+                      </p:stCondLst>
+                      <p:childTnLst>
+                        <p:par>
+                          <p:cTn id="12" fill="hold">
+                            <p:stCondLst>
+                              <p:cond delay="0"/>
+                            </p:stCondLst>
+                            <p:childTnLst>
+                              <p:par>
+                                <p:cTn id="13" presetID="1" presetClass="entr" presetSubtype="0" fill="hold" grpId="0" nodeType="clickEffect">
+                                  <p:stCondLst>
+                                    <p:cond delay="0"/>
+                                  </p:stCondLst>
+                                  <p:childTnLst>
+                                    <p:set>
+                                      <p:cBhvr>
+                                        <p:cTn id="14" dur="1" fill="hold">
+                                          <p:stCondLst>
+                                            <p:cond delay="0"/>
+                                          </p:stCondLst>
+                                        </p:cTn>
+                                        <p:tgtEl>
+                                          <p:spTgt spid="7"/>
+                                        </p:tgtEl>
+                                        <p:attrNameLst>
+                                          <p:attrName>style.visibility</p:attrName>
+                                        </p:attrNameLst>
+                                      </p:cBhvr>
+                                      <p:to>
+                                        <p:strVal val="visible"/>
+                                      </p:to>
+                                    </p:set>
+                                  </p:childTnLst>
+                                </p:cTn>
+                              </p:par>
+                            </p:childTnLst>
+                          </p:cTn>
+                        </p:par>
+                      </p:childTnLst>
+                    </p:cTn>
+                  </p:par>
+                  <p:par>
+                    <p:cTn id="15" fill="hold">
+                      <p:stCondLst>
+                        <p:cond delay="indefinite"/>
+                      </p:stCondLst>
+                      <p:childTnLst>
+                        <p:par>
+                          <p:cTn id="16" fill="hold">
+                            <p:stCondLst>
+                              <p:cond delay="0"/>
+                            </p:stCondLst>
+                            <p:childTnLst>
+                              <p:par>
+                                <p:cTn id="17" presetID="1" presetClass="entr" presetSubtype="0" fill="hold" nodeType="clickEffect">
+                                  <p:stCondLst>
+                                    <p:cond delay="0"/>
+                                  </p:stCondLst>
+                                  <p:childTnLst>
+                                    <p:set>
+                                      <p:cBhvr>
+                                        <p:cTn id="18" dur="1" fill="hold">
+                                          <p:stCondLst>
+                                            <p:cond delay="0"/>
+                                          </p:stCondLst>
+                                        </p:cTn>
+                                        <p:tgtEl>
+                                          <p:spTgt spid="8"/>
+                                        </p:tgtEl>
+                                        <p:attrNameLst>
+                                          <p:attrName>style.visibility</p:attrName>
+                                        </p:attrNameLst>
+                                      </p:cBhvr>
+                                      <p:to>
+                                        <p:strVal val="visible"/>
+                                      </p:to>
+                                    </p:set>
+                                  </p:childTnLst>
+                                </p:cTn>
+                              </p:par>
+                            </p:childTnLst>
+                          </p:cTn>
+                        </p:par>
+                      </p:childTnLst>
+                    </p:cTn>
+                  </p:par>
+                  <p:par>
+                    <p:cTn id="19" fill="hold">
+                      <p:stCondLst>
+                        <p:cond delay="indefinite"/>
+                      </p:stCondLst>
+                      <p:childTnLst>
+                        <p:par>
+                          <p:cTn id="20" fill="hold">
+                            <p:stCondLst>
+                              <p:cond delay="0"/>
+                            </p:stCondLst>
+                            <p:childTnLst>
+                              <p:par>
+                                <p:cTn id="21" presetID="1" presetClass="entr" presetSubtype="0" fill="hold" grpId="0" nodeType="clickEffect">
+                                  <p:stCondLst>
+                                    <p:cond delay="0"/>
+                                  </p:stCondLst>
+                                  <p:childTnLst>
+                                    <p:set>
+                                      <p:cBhvr>
+                                        <p:cTn id="22" dur="1" fill="hold">
+                                          <p:stCondLst>
+                                            <p:cond delay="0"/>
+                                          </p:stCondLst>
+                                        </p:cTn>
+                                        <p:tgtEl>
+                                          <p:spTgt spid="10"/>
+                                        </p:tgtEl>
+                                        <p:attrNameLst>
+                                          <p:attrName>style.visibility</p:attrName>
+                                        </p:attrNameLst>
+                                      </p:cBhvr>
+                                      <p:to>
+                                        <p:strVal val="visible"/>
+                                      </p:to>
+                                    </p:set>
+                                  </p:childTnLst>
+                                </p:cTn>
+                              </p:par>
+                            </p:childTnLst>
+                          </p:cTn>
+                        </p:par>
+                      </p:childTnLst>
+                    </p:cTn>
+                  </p:par>
+                  <p:par>
+                    <p:cTn id="23" fill="hold">
+                      <p:stCondLst>
+                        <p:cond delay="indefinite"/>
+                      </p:stCondLst>
+                      <p:childTnLst>
+                        <p:par>
+                          <p:cTn id="24" fill="hold">
+                            <p:stCondLst>
+                              <p:cond delay="0"/>
+                            </p:stCondLst>
+                            <p:childTnLst>
+                              <p:par>
+                                <p:cTn id="25" presetID="1" presetClass="entr" presetSubtype="0" fill="hold" grpId="0" nodeType="clickEffect">
+                                  <p:stCondLst>
+                                    <p:cond delay="0"/>
+                                  </p:stCondLst>
+                                  <p:childTnLst>
+                                    <p:set>
+                                      <p:cBhvr>
+                                        <p:cTn id="26" dur="1" fill="hold">
+                                          <p:stCondLst>
+                                            <p:cond delay="0"/>
+                                          </p:stCondLst>
+                                        </p:cTn>
+                                        <p:tgtEl>
+                                          <p:spTgt spid="9"/>
+                                        </p:tgtEl>
+                                        <p:attrNameLst>
+                                          <p:attrName>style.visibility</p:attrName>
+                                        </p:attrNameLst>
+                                      </p:cBhvr>
+                                      <p:to>
+                                        <p:strVal val="visible"/>
+                                      </p:to>
+                                    </p:set>
+                                  </p:childTnLst>
+                                </p:cTn>
+                              </p:par>
+                            </p:childTnLst>
+                          </p:cTn>
+                        </p:par>
+                      </p:childTnLst>
+                    </p:cTn>
+                  </p:par>
+                  <p:par>
+                    <p:cTn id="27" fill="hold">
+                      <p:stCondLst>
+                        <p:cond delay="indefinite"/>
+                      </p:stCondLst>
+                      <p:childTnLst>
+                        <p:par>
+                          <p:cTn id="28" fill="hold">
+                            <p:stCondLst>
+                              <p:cond delay="0"/>
+                            </p:stCondLst>
+                            <p:childTnLst>
+                              <p:par>
+                                <p:cTn id="29" presetID="1" presetClass="entr" presetSubtype="0" fill="hold" grpId="0" nodeType="clickEffect">
+                                  <p:stCondLst>
+                                    <p:cond delay="0"/>
+                                  </p:stCondLst>
+                                  <p:childTnLst>
+                                    <p:set>
+                                      <p:cBhvr>
+                                        <p:cTn id="30" dur="1" fill="hold">
+                                          <p:stCondLst>
+                                            <p:cond delay="0"/>
+                                          </p:stCondLst>
+                                        </p:cTn>
+                                        <p:tgtEl>
+                                          <p:spTgt spid="11"/>
+                                        </p:tgtEl>
+                                        <p:attrNameLst>
+                                          <p:attrName>style.visibility</p:attrName>
+                                        </p:attrNameLst>
+                                      </p:cBhvr>
+                                      <p:to>
+                                        <p:strVal val="visible"/>
+                                      </p:to>
+                                    </p:set>
+                                  </p:childTnLst>
+                                </p:cTn>
+                              </p:par>
+                            </p:childTnLst>
+                          </p:cTn>
+                        </p:par>
+                      </p:childTnLst>
+                    </p:cTn>
+                  </p:par>
+                  <p:par>
+                    <p:cTn id="31" fill="hold">
+                      <p:stCondLst>
+                        <p:cond delay="indefinite"/>
+                      </p:stCondLst>
+                      <p:childTnLst>
+                        <p:par>
+                          <p:cTn id="32" fill="hold">
+                            <p:stCondLst>
+                              <p:cond delay="0"/>
+                            </p:stCondLst>
+                            <p:childTnLst>
+                              <p:par>
+                                <p:cTn id="33" presetID="1" presetClass="entr" presetSubtype="0" fill="hold" grpId="0" nodeType="clickEffect">
+                                  <p:stCondLst>
+                                    <p:cond delay="0"/>
+                                  </p:stCondLst>
+                                  <p:childTnLst>
+                                    <p:set>
+                                      <p:cBhvr>
+                                        <p:cTn id="34" dur="1" fill="hold">
+                                          <p:stCondLst>
+                                            <p:cond delay="0"/>
+                                          </p:stCondLst>
+                                        </p:cTn>
+                                        <p:tgtEl>
+                                          <p:spTgt spid="12"/>
+                                        </p:tgtEl>
+                                        <p:attrNameLst>
+                                          <p:attrName>style.visibility</p:attrName>
+                                        </p:attrNameLst>
+                                      </p:cBhvr>
+                                      <p:to>
+                                        <p:strVal val="visible"/>
+                                      </p:to>
+                                    </p:set>
+                                  </p:childTnLst>
+                                </p:cTn>
+                              </p:par>
+                            </p:childTnLst>
+                          </p:cTn>
+                        </p:par>
+                      </p:childTnLst>
+                    </p:cTn>
+                  </p:par>
+                </p:childTnLst>
+              </p:cTn>
+              <p:prevCondLst>
+                <p:cond evt="onPrev" delay="0">
+                  <p:tgtEl>
+                    <p:sldTgt/>
+                  </p:tgtEl>
+                </p:cond>
+              </p:prevCondLst>
+              <p:nextCondLst>
+                <p:cond evt="onNext" delay="0">
+                  <p:tgtEl>
+                    <p:sldTgt/>
+                  </p:tgtEl>
+                </p:cond>
+              </p:nextCondLst>
+            </p:seq>
+          </p:childTnLst>
+        </p:cTn>
+      </p:par>
+    </p:tnLst>
+    <p:bldLst>
+      <p:bldP spid="4" grpId="0"/>
+      <p:bldP spid="5" grpId="0"/>
+      <p:bldP spid="7" grpId="0"/>
+      <p:bldP spid="9" grpId="0"/>
+      <p:bldP spid="10" grpId="0"/>
+      <p:bldP spid="11" grpId="0"/>
+      <p:bldP spid="12" grpId="0"/>
+    </p:bldLst>
+  </p:timing>
 </p:sld>
 </file>
 
@@ -6430,6 +10510,194 @@
           <p:cNvPr id="2" name="Title 1">
             <a:extLst>
               <a:ext uri="{FF2B5EF4-FFF2-40B4-BE49-F238E27FC236}">
+                <a16:creationId xmlns:a16="http://schemas.microsoft.com/office/drawing/2014/main" id="{EFB7461A-4B6C-4DBB-B680-42FB93946C9D}"/>
+              </a:ext>
+            </a:extLst>
+          </p:cNvPr>
+          <p:cNvSpPr>
+            <a:spLocks noGrp="1"/>
+          </p:cNvSpPr>
+          <p:nvPr>
+            <p:ph type="title"/>
+          </p:nvPr>
+        </p:nvSpPr>
+        <p:spPr/>
+        <p:txBody>
+          <a:bodyPr/>
+          <a:lstStyle/>
+          <a:p>
+            <a:r>
+              <a:rPr lang="es-GT" dirty="0"/>
+              <a:t>ANÁLISIS </a:t>
+            </a:r>
+          </a:p>
+        </p:txBody>
+      </p:sp>
+      <p:sp>
+        <p:nvSpPr>
+          <p:cNvPr id="3" name="Content Placeholder 2">
+            <a:extLst>
+              <a:ext uri="{FF2B5EF4-FFF2-40B4-BE49-F238E27FC236}">
+                <a16:creationId xmlns:a16="http://schemas.microsoft.com/office/drawing/2014/main" id="{8494951A-7752-48C7-98AE-DC707340E537}"/>
+              </a:ext>
+            </a:extLst>
+          </p:cNvPr>
+          <p:cNvSpPr>
+            <a:spLocks noGrp="1"/>
+          </p:cNvSpPr>
+          <p:nvPr>
+            <p:ph idx="1"/>
+          </p:nvPr>
+        </p:nvSpPr>
+        <p:spPr/>
+        <p:txBody>
+          <a:bodyPr/>
+          <a:lstStyle/>
+          <a:p>
+            <a:endParaRPr lang="es-GT"/>
+          </a:p>
+        </p:txBody>
+      </p:sp>
+      <p:pic>
+        <p:nvPicPr>
+          <p:cNvPr id="4" name="Picture 3">
+            <a:extLst>
+              <a:ext uri="{FF2B5EF4-FFF2-40B4-BE49-F238E27FC236}">
+                <a16:creationId xmlns:a16="http://schemas.microsoft.com/office/drawing/2014/main" id="{50D88E7D-FFF1-43C7-905E-9DF2F252B49C}"/>
+              </a:ext>
+            </a:extLst>
+          </p:cNvPr>
+          <p:cNvPicPr>
+            <a:picLocks noChangeAspect="1"/>
+          </p:cNvPicPr>
+          <p:nvPr/>
+        </p:nvPicPr>
+        <p:blipFill>
+          <a:blip r:embed="rId2"/>
+          <a:stretch>
+            <a:fillRect/>
+          </a:stretch>
+        </p:blipFill>
+        <p:spPr>
+          <a:xfrm>
+            <a:off x="3456571" y="2267856"/>
+            <a:ext cx="4589884" cy="3059923"/>
+          </a:xfrm>
+          <a:prstGeom prst="rect">
+            <a:avLst/>
+          </a:prstGeom>
+        </p:spPr>
+      </p:pic>
+    </p:spTree>
+    <p:extLst>
+      <p:ext uri="{BB962C8B-B14F-4D97-AF65-F5344CB8AC3E}">
+        <p14:creationId xmlns:p14="http://schemas.microsoft.com/office/powerpoint/2010/main" val="3080640231"/>
+      </p:ext>
+    </p:extLst>
+  </p:cSld>
+  <p:clrMapOvr>
+    <a:masterClrMapping/>
+  </p:clrMapOvr>
+  <p:timing>
+    <p:tnLst>
+      <p:par>
+        <p:cTn id="1" dur="indefinite" restart="never" nodeType="tmRoot">
+          <p:childTnLst>
+            <p:seq concurrent="1" nextAc="seek">
+              <p:cTn id="2" dur="indefinite" nodeType="mainSeq">
+                <p:childTnLst>
+                  <p:par>
+                    <p:cTn id="3" fill="hold">
+                      <p:stCondLst>
+                        <p:cond delay="indefinite"/>
+                      </p:stCondLst>
+                      <p:childTnLst>
+                        <p:par>
+                          <p:cTn id="4" fill="hold">
+                            <p:stCondLst>
+                              <p:cond delay="0"/>
+                            </p:stCondLst>
+                            <p:childTnLst>
+                              <p:par>
+                                <p:cTn id="5" presetID="1" presetClass="entr" presetSubtype="0" fill="hold" nodeType="clickEffect">
+                                  <p:stCondLst>
+                                    <p:cond delay="0"/>
+                                  </p:stCondLst>
+                                  <p:childTnLst>
+                                    <p:set>
+                                      <p:cBhvr>
+                                        <p:cTn id="6" dur="1" fill="hold">
+                                          <p:stCondLst>
+                                            <p:cond delay="0"/>
+                                          </p:stCondLst>
+                                        </p:cTn>
+                                        <p:tgtEl>
+                                          <p:spTgt spid="4"/>
+                                        </p:tgtEl>
+                                        <p:attrNameLst>
+                                          <p:attrName>style.visibility</p:attrName>
+                                        </p:attrNameLst>
+                                      </p:cBhvr>
+                                      <p:to>
+                                        <p:strVal val="visible"/>
+                                      </p:to>
+                                    </p:set>
+                                  </p:childTnLst>
+                                </p:cTn>
+                              </p:par>
+                            </p:childTnLst>
+                          </p:cTn>
+                        </p:par>
+                      </p:childTnLst>
+                    </p:cTn>
+                  </p:par>
+                </p:childTnLst>
+              </p:cTn>
+              <p:prevCondLst>
+                <p:cond evt="onPrev" delay="0">
+                  <p:tgtEl>
+                    <p:sldTgt/>
+                  </p:tgtEl>
+                </p:cond>
+              </p:prevCondLst>
+              <p:nextCondLst>
+                <p:cond evt="onNext" delay="0">
+                  <p:tgtEl>
+                    <p:sldTgt/>
+                  </p:tgtEl>
+                </p:cond>
+              </p:nextCondLst>
+            </p:seq>
+          </p:childTnLst>
+        </p:cTn>
+      </p:par>
+    </p:tnLst>
+  </p:timing>
+</p:sld>
+</file>
+
+<file path=ppt/slides/slide7.xml><?xml version="1.0" encoding="utf-8"?>
+<p:sld xmlns:a="http://schemas.openxmlformats.org/drawingml/2006/main" xmlns:r="http://schemas.openxmlformats.org/officeDocument/2006/relationships" xmlns:p="http://schemas.openxmlformats.org/presentationml/2006/main">
+  <p:cSld>
+    <p:spTree>
+      <p:nvGrpSpPr>
+        <p:cNvPr id="1" name=""/>
+        <p:cNvGrpSpPr/>
+        <p:nvPr/>
+      </p:nvGrpSpPr>
+      <p:grpSpPr>
+        <a:xfrm>
+          <a:off x="0" y="0"/>
+          <a:ext cx="0" cy="0"/>
+          <a:chOff x="0" y="0"/>
+          <a:chExt cx="0" cy="0"/>
+        </a:xfrm>
+      </p:grpSpPr>
+      <p:sp>
+        <p:nvSpPr>
+          <p:cNvPr id="2" name="Title 1">
+            <a:extLst>
+              <a:ext uri="{FF2B5EF4-FFF2-40B4-BE49-F238E27FC236}">
                 <a16:creationId xmlns:a16="http://schemas.microsoft.com/office/drawing/2014/main" id="{952203AD-6EBD-4335-B2D3-48BF3AE1DCEB}"/>
               </a:ext>
             </a:extLst>
@@ -6474,10 +10742,40 @@
           <a:bodyPr/>
           <a:lstStyle/>
           <a:p>
-            <a:endParaRPr lang="es-GT"/>
-          </a:p>
-        </p:txBody>
-      </p:sp>
+            <a:endParaRPr lang="es-GT" dirty="0"/>
+          </a:p>
+        </p:txBody>
+      </p:sp>
+      <p:pic>
+        <p:nvPicPr>
+          <p:cNvPr id="4" name="Picture 3">
+            <a:extLst>
+              <a:ext uri="{FF2B5EF4-FFF2-40B4-BE49-F238E27FC236}">
+                <a16:creationId xmlns:a16="http://schemas.microsoft.com/office/drawing/2014/main" id="{0AF83911-7DCA-4DD7-B01D-2C9D8B1B7D6C}"/>
+              </a:ext>
+            </a:extLst>
+          </p:cNvPr>
+          <p:cNvPicPr>
+            <a:picLocks noChangeAspect="1"/>
+          </p:cNvPicPr>
+          <p:nvPr/>
+        </p:nvPicPr>
+        <p:blipFill>
+          <a:blip r:embed="rId2"/>
+          <a:stretch>
+            <a:fillRect/>
+          </a:stretch>
+        </p:blipFill>
+        <p:spPr>
+          <a:xfrm>
+            <a:off x="4031991" y="2509934"/>
+            <a:ext cx="4128018" cy="2752012"/>
+          </a:xfrm>
+          <a:prstGeom prst="rect">
+            <a:avLst/>
+          </a:prstGeom>
+        </p:spPr>
+      </p:pic>
     </p:spTree>
     <p:extLst>
       <p:ext uri="{BB962C8B-B14F-4D97-AF65-F5344CB8AC3E}">
@@ -6488,6 +10786,81 @@
   <p:clrMapOvr>
     <a:masterClrMapping/>
   </p:clrMapOvr>
+  <p:timing>
+    <p:tnLst>
+      <p:par>
+        <p:cTn id="1" dur="indefinite" restart="never" nodeType="tmRoot">
+          <p:childTnLst>
+            <p:seq concurrent="1" nextAc="seek">
+              <p:cTn id="2" dur="indefinite" nodeType="mainSeq">
+                <p:childTnLst>
+                  <p:par>
+                    <p:cTn id="3" fill="hold">
+                      <p:stCondLst>
+                        <p:cond delay="indefinite"/>
+                      </p:stCondLst>
+                      <p:childTnLst>
+                        <p:par>
+                          <p:cTn id="4" fill="hold">
+                            <p:stCondLst>
+                              <p:cond delay="0"/>
+                            </p:stCondLst>
+                            <p:childTnLst>
+                              <p:par>
+                                <p:cTn id="5" presetID="1" presetClass="entr" presetSubtype="0" fill="hold" nodeType="clickEffect">
+                                  <p:stCondLst>
+                                    <p:cond delay="0"/>
+                                  </p:stCondLst>
+                                  <p:childTnLst>
+                                    <p:set>
+                                      <p:cBhvr>
+                                        <p:cTn id="6" dur="1" fill="hold">
+                                          <p:stCondLst>
+                                            <p:cond delay="0"/>
+                                          </p:stCondLst>
+                                        </p:cTn>
+                                        <p:tgtEl>
+                                          <p:spTgt spid="4"/>
+                                        </p:tgtEl>
+                                        <p:attrNameLst>
+                                          <p:attrName>style.visibility</p:attrName>
+                                        </p:attrNameLst>
+                                      </p:cBhvr>
+                                      <p:to>
+                                        <p:strVal val="visible"/>
+                                      </p:to>
+                                    </p:set>
+                                  </p:childTnLst>
+                                </p:cTn>
+                              </p:par>
+                            </p:childTnLst>
+                          </p:cTn>
+                        </p:par>
+                      </p:childTnLst>
+                    </p:cTn>
+                  </p:par>
+                </p:childTnLst>
+              </p:cTn>
+              <p:prevCondLst>
+                <p:cond evt="onPrev" delay="0">
+                  <p:tgtEl>
+                    <p:sldTgt/>
+                  </p:tgtEl>
+                </p:cond>
+              </p:prevCondLst>
+              <p:nextCondLst>
+                <p:cond evt="onNext" delay="0">
+                  <p:tgtEl>
+                    <p:sldTgt/>
+                  </p:tgtEl>
+                </p:cond>
+              </p:nextCondLst>
+            </p:seq>
+          </p:childTnLst>
+        </p:cTn>
+      </p:par>
+    </p:tnLst>
+  </p:timing>
 </p:sld>
 </file>
 
